--- a/Tank-Battles.pptx
+++ b/Tank-Battles.pptx
@@ -5,15 +5,16 @@
     <p:sldMasterId id="2147483648" r:id="rId1"/>
   </p:sldMasterIdLst>
   <p:notesMasterIdLst>
-    <p:notesMasterId r:id="rId8"/>
+    <p:notesMasterId r:id="rId9"/>
   </p:notesMasterIdLst>
   <p:sldIdLst>
     <p:sldId id="256" r:id="rId2"/>
-    <p:sldId id="257" r:id="rId3"/>
-    <p:sldId id="258" r:id="rId4"/>
-    <p:sldId id="259" r:id="rId5"/>
-    <p:sldId id="260" r:id="rId6"/>
+    <p:sldId id="260" r:id="rId3"/>
+    <p:sldId id="257" r:id="rId4"/>
+    <p:sldId id="258" r:id="rId5"/>
+    <p:sldId id="259" r:id="rId6"/>
     <p:sldId id="261" r:id="rId7"/>
+    <p:sldId id="262" r:id="rId8"/>
   </p:sldIdLst>
   <p:sldSz cx="14630400" cy="8229600"/>
   <p:notesSz cx="8229600" cy="14630400"/>
@@ -142,7 +143,7 @@
     </p:spTree>
     <p:extLst>
       <p:ext uri="{BB962C8B-B14F-4D97-AF65-F5344CB8AC3E}">
-        <p14:creationId xmlns:p14="http://schemas.microsoft.com/office/powerpoint/2010/main" val="400212737"/>
+        <p14:creationId xmlns:p14="http://schemas.microsoft.com/office/powerpoint/2010/main" val="2225789593"/>
       </p:ext>
     </p:extLst>
   </p:cSld>
@@ -746,6 +747,90 @@
 </p:notes>
 </file>
 
+<file path=ppt/notesSlides/notesSlide7.xml><?xml version="1.0" encoding="utf-8"?>
+<p:notes xmlns:a="http://schemas.openxmlformats.org/drawingml/2006/main" xmlns:r="http://schemas.openxmlformats.org/officeDocument/2006/relationships" xmlns:p="http://schemas.openxmlformats.org/presentationml/2006/main">
+  <p:cSld>
+    <p:spTree>
+      <p:nvGrpSpPr>
+        <p:cNvPr id="1" name=""/>
+        <p:cNvGrpSpPr/>
+        <p:nvPr/>
+      </p:nvGrpSpPr>
+      <p:grpSpPr>
+        <a:xfrm>
+          <a:off x="0" y="0"/>
+          <a:ext cx="0" cy="0"/>
+          <a:chOff x="0" y="0"/>
+          <a:chExt cx="0" cy="0"/>
+        </a:xfrm>
+      </p:grpSpPr>
+      <p:sp>
+        <p:nvSpPr>
+          <p:cNvPr id="2" name="Slide Image Placeholder 1"/>
+          <p:cNvSpPr>
+            <a:spLocks noGrp="1" noRot="1" noChangeAspect="1"/>
+          </p:cNvSpPr>
+          <p:nvPr>
+            <p:ph type="sldImg"/>
+          </p:nvPr>
+        </p:nvSpPr>
+        <p:spPr/>
+      </p:sp>
+      <p:sp>
+        <p:nvSpPr>
+          <p:cNvPr id="3" name="Notes Placeholder 2"/>
+          <p:cNvSpPr>
+            <a:spLocks noGrp="1"/>
+          </p:cNvSpPr>
+          <p:nvPr>
+            <p:ph type="body" idx="1"/>
+          </p:nvPr>
+        </p:nvSpPr>
+        <p:spPr/>
+        <p:txBody>
+          <a:bodyPr/>
+          <a:lstStyle/>
+          <a:p>
+            <a:endParaRPr lang="en-US" dirty="0"/>
+          </a:p>
+        </p:txBody>
+      </p:sp>
+      <p:sp>
+        <p:nvSpPr>
+          <p:cNvPr id="4" name="Slide Number Placeholder 3"/>
+          <p:cNvSpPr>
+            <a:spLocks noGrp="1"/>
+          </p:cNvSpPr>
+          <p:nvPr>
+            <p:ph type="sldNum" sz="quarter" idx="10"/>
+          </p:nvPr>
+        </p:nvSpPr>
+        <p:spPr/>
+        <p:txBody>
+          <a:bodyPr/>
+          <a:lstStyle/>
+          <a:p>
+            <a:fld id="{F7021451-1387-4CA6-816F-3879F97B5CBC}" type="slidenum">
+              <a:rPr lang="en-US"/>
+              <a:t>7</a:t>
+            </a:fld>
+            <a:endParaRPr lang="en-US"/>
+          </a:p>
+        </p:txBody>
+      </p:sp>
+    </p:spTree>
+    <p:extLst>
+      <p:ext uri="{BB962C8B-B14F-4D97-AF65-F5344CB8AC3E}">
+        <p14:creationId xmlns:p14="http://schemas.microsoft.com/office/powerpoint/2010/main" val="1024086991"/>
+      </p:ext>
+    </p:extLst>
+  </p:cSld>
+  <p:clrMapOvr>
+    <a:masterClrMapping/>
+  </p:clrMapOvr>
+</p:notes>
+</file>
+
 <file path=ppt/slideLayouts/slideLayout1.xml><?xml version="1.0" encoding="utf-8"?>
 <p:sldLayout xmlns:a="http://schemas.openxmlformats.org/drawingml/2006/main" xmlns:r="http://schemas.openxmlformats.org/officeDocument/2006/relationships" xmlns:p="http://schemas.openxmlformats.org/presentationml/2006/main" preserve="1">
   <p:cSld name="DEFAULT">
@@ -1090,7 +1175,7 @@
             <a:avLst/>
           </a:prstGeom>
           <a:solidFill>
-            <a:srgbClr val="F2E4CF"/>
+            <a:srgbClr val="EBF4F3"/>
           </a:solidFill>
           <a:ln/>
         </p:spPr>
@@ -1110,11 +1195,35 @@
             <a:avLst/>
           </a:prstGeom>
           <a:solidFill>
-            <a:srgbClr val="FEF5E7"/>
-          </a:solidFill>
-          <a:ln/>
-        </p:spPr>
-      </p:sp>
+            <a:srgbClr val="FFFFFF"/>
+          </a:solidFill>
+          <a:ln/>
+        </p:spPr>
+      </p:sp>
+      <p:pic>
+        <p:nvPicPr>
+          <p:cNvPr id="4" name="Image 0" descr="preencoded.png"/>
+          <p:cNvPicPr>
+            <a:picLocks noChangeAspect="1"/>
+          </p:cNvPicPr>
+          <p:nvPr/>
+        </p:nvPicPr>
+        <p:blipFill>
+          <a:blip r:embed="rId3"/>
+          <a:stretch>
+            <a:fillRect/>
+          </a:stretch>
+        </p:blipFill>
+        <p:spPr>
+          <a:xfrm>
+            <a:off x="0" y="0"/>
+            <a:ext cx="5486400" cy="8229600"/>
+          </a:xfrm>
+          <a:prstGeom prst="rect">
+            <a:avLst/>
+          </a:prstGeom>
+        </p:spPr>
+      </p:pic>
       <p:sp>
         <p:nvSpPr>
           <p:cNvPr id="5" name="Text 2"/>
@@ -1123,8 +1232,117 @@
         </p:nvSpPr>
         <p:spPr>
           <a:xfrm>
-            <a:off x="833199" y="2998470"/>
-            <a:ext cx="5996940" cy="833199"/>
+            <a:off x="6319599" y="2084784"/>
+            <a:ext cx="7477601" cy="1666399"/>
+          </a:xfrm>
+          <a:prstGeom prst="rect">
+            <a:avLst/>
+          </a:prstGeom>
+          <a:noFill/>
+          <a:ln/>
+        </p:spPr>
+        <p:txBody>
+          <a:bodyPr wrap="square" rtlCol="0" anchor="t"/>
+          <a:lstStyle/>
+          <a:p>
+            <a:pPr marL="0" indent="0">
+              <a:lnSpc>
+                <a:spcPts val="6561"/>
+              </a:lnSpc>
+              <a:buNone/>
+            </a:pPr>
+            <a:r>
+              <a:rPr lang="en-US" sz="5249" dirty="0">
+                <a:solidFill>
+                  <a:srgbClr val="272D45"/>
+                </a:solidFill>
+                <a:latin typeface="Kanit" pitchFamily="34" charset="0"/>
+                <a:ea typeface="Kanit" pitchFamily="34" charset="-122"/>
+                <a:cs typeface="Kanit" pitchFamily="34" charset="-120"/>
+              </a:rPr>
+              <a:t>Tank Battles: Игра на Pygame</a:t>
+            </a:r>
+            <a:endParaRPr lang="en-US" sz="5249" dirty="0"/>
+          </a:p>
+        </p:txBody>
+      </p:sp>
+      <p:sp>
+        <p:nvSpPr>
+          <p:cNvPr id="6" name="Text 3"/>
+          <p:cNvSpPr/>
+          <p:nvPr/>
+        </p:nvSpPr>
+        <p:spPr>
+          <a:xfrm>
+            <a:off x="6319599" y="4084439"/>
+            <a:ext cx="7477601" cy="1421606"/>
+          </a:xfrm>
+          <a:prstGeom prst="rect">
+            <a:avLst/>
+          </a:prstGeom>
+          <a:noFill/>
+          <a:ln/>
+        </p:spPr>
+        <p:txBody>
+          <a:bodyPr wrap="square" rtlCol="0" anchor="t"/>
+          <a:lstStyle/>
+          <a:p>
+            <a:pPr marL="0" indent="0">
+              <a:lnSpc>
+                <a:spcPts val="2799"/>
+              </a:lnSpc>
+              <a:buNone/>
+            </a:pPr>
+            <a:r>
+              <a:rPr lang="en-US" sz="1750" dirty="0">
+                <a:solidFill>
+                  <a:srgbClr val="2C3249"/>
+                </a:solidFill>
+                <a:latin typeface="Martel Sans" pitchFamily="34" charset="0"/>
+                <a:ea typeface="Martel Sans" pitchFamily="34" charset="-122"/>
+                <a:cs typeface="Martel Sans" pitchFamily="34" charset="-120"/>
+              </a:rPr>
+              <a:t>"Tank Battles" - захватывающая игра, погружающая игрока в атмосферу танковых сражений. Игра предоставляет возможность взять на себя управление мощным танком и сразиться с опасными противниками на разнообразных полях боя.</a:t>
+            </a:r>
+            <a:endParaRPr lang="en-US" sz="1750" dirty="0"/>
+          </a:p>
+        </p:txBody>
+      </p:sp>
+      <p:sp>
+        <p:nvSpPr>
+          <p:cNvPr id="7" name="Shape 4"/>
+          <p:cNvSpPr/>
+          <p:nvPr/>
+        </p:nvSpPr>
+        <p:spPr>
+          <a:xfrm>
+            <a:off x="6319599" y="5772626"/>
+            <a:ext cx="355402" cy="355402"/>
+          </a:xfrm>
+          <a:prstGeom prst="roundRect">
+            <a:avLst>
+              <a:gd name="adj" fmla="val 25726039"/>
+            </a:avLst>
+          </a:prstGeom>
+          <a:noFill/>
+          <a:ln w="7620">
+            <a:solidFill>
+              <a:srgbClr val="FFFFFF"/>
+            </a:solidFill>
+            <a:prstDash val="solid"/>
+          </a:ln>
+        </p:spPr>
+      </p:sp>
+      <p:sp>
+        <p:nvSpPr>
+          <p:cNvPr id="9" name="Text 5"/>
+          <p:cNvSpPr/>
+          <p:nvPr/>
+        </p:nvSpPr>
+        <p:spPr>
+          <a:xfrm>
+            <a:off x="6786086" y="5755958"/>
+            <a:ext cx="2956560" cy="388858"/>
           </a:xfrm>
           <a:prstGeom prst="rect">
             <a:avLst/>
@@ -1136,66 +1354,33 @@
           <a:bodyPr wrap="none" rtlCol="0" anchor="t"/>
           <a:lstStyle/>
           <a:p>
-            <a:pPr marL="0" indent="0">
-              <a:lnSpc>
-                <a:spcPts val="6561"/>
-              </a:lnSpc>
-              <a:buNone/>
-            </a:pPr>
-            <a:r>
-              <a:rPr lang="en-US" sz="5249" dirty="0">
-                <a:solidFill>
-                  <a:srgbClr val="38512F"/>
-                </a:solidFill>
-                <a:latin typeface="Lora" pitchFamily="34" charset="0"/>
-                <a:ea typeface="Lora" pitchFamily="34" charset="-122"/>
-                <a:cs typeface="Lora" pitchFamily="34" charset="-120"/>
-              </a:rPr>
-              <a:t>Игра "Tank Battles"</a:t>
-            </a:r>
-            <a:endParaRPr lang="en-US" sz="5249" dirty="0"/>
-          </a:p>
-        </p:txBody>
-      </p:sp>
-      <p:sp>
-        <p:nvSpPr>
-          <p:cNvPr id="6" name="Text 3"/>
-          <p:cNvSpPr/>
-          <p:nvPr/>
-        </p:nvSpPr>
-        <p:spPr>
-          <a:xfrm>
-            <a:off x="833199" y="4164925"/>
-            <a:ext cx="7477601" cy="1066205"/>
-          </a:xfrm>
-          <a:prstGeom prst="rect">
-            <a:avLst/>
-          </a:prstGeom>
-          <a:noFill/>
-          <a:ln/>
-        </p:spPr>
-        <p:txBody>
-          <a:bodyPr wrap="square" rtlCol="0" anchor="t"/>
-          <a:lstStyle/>
-          <a:p>
-            <a:pPr marL="0" indent="0">
-              <a:lnSpc>
-                <a:spcPts val="2799"/>
-              </a:lnSpc>
-              <a:buNone/>
-            </a:pPr>
-            <a:r>
-              <a:rPr lang="en-US" sz="1750" dirty="0">
-                <a:solidFill>
-                  <a:srgbClr val="3A3630"/>
-                </a:solidFill>
-                <a:latin typeface="Source Sans Pro" pitchFamily="34" charset="0"/>
-                <a:ea typeface="Source Sans Pro" pitchFamily="34" charset="-122"/>
-                <a:cs typeface="Source Sans Pro" pitchFamily="34" charset="-120"/>
-              </a:rPr>
-              <a:t>Добро пожаловать на презентацию по игре "Tank Battles". Мы расскажем об основных концепциях и механиках игры, управлении танками, врагах и мире, в котором вы будете играть. Приятного просмотра!</a:t>
-            </a:r>
-            <a:endParaRPr lang="en-US" sz="1750" dirty="0"/>
+            <a:pPr marL="0" indent="0" algn="l">
+              <a:lnSpc>
+                <a:spcPts val="3062"/>
+              </a:lnSpc>
+              <a:buNone/>
+            </a:pPr>
+            <a:r>
+              <a:rPr lang="ru-RU" sz="2187" dirty="0"/>
+              <a:t>Авторы: Фирсов Дмитрий</a:t>
+            </a:r>
+          </a:p>
+          <a:p>
+            <a:pPr marL="0" indent="0" algn="l">
+              <a:lnSpc>
+                <a:spcPts val="3062"/>
+              </a:lnSpc>
+              <a:buNone/>
+            </a:pPr>
+            <a:r>
+              <a:rPr lang="ru-RU" sz="2187" dirty="0"/>
+              <a:t>	  Сергей </a:t>
+            </a:r>
+            <a:r>
+              <a:rPr lang="ru-RU" sz="2187" dirty="0" err="1"/>
+              <a:t>Илюкин</a:t>
+            </a:r>
+            <a:endParaRPr lang="en-US" sz="2187" dirty="0"/>
           </a:p>
         </p:txBody>
       </p:sp>
@@ -1208,6 +1393,684 @@
 </file>
 
 <file path=ppt/slides/slide2.xml><?xml version="1.0" encoding="utf-8"?>
+<p:sld xmlns:a="http://schemas.openxmlformats.org/drawingml/2006/main" xmlns:r="http://schemas.openxmlformats.org/officeDocument/2006/relationships" xmlns:p="http://schemas.openxmlformats.org/presentationml/2006/main">
+  <p:cSld name="Slide 5">
+    <p:spTree>
+      <p:nvGrpSpPr>
+        <p:cNvPr id="1" name=""/>
+        <p:cNvGrpSpPr/>
+        <p:nvPr/>
+      </p:nvGrpSpPr>
+      <p:grpSpPr>
+        <a:xfrm>
+          <a:off x="0" y="0"/>
+          <a:ext cx="0" cy="0"/>
+          <a:chOff x="0" y="0"/>
+          <a:chExt cx="0" cy="0"/>
+        </a:xfrm>
+      </p:grpSpPr>
+      <p:sp>
+        <p:nvSpPr>
+          <p:cNvPr id="2" name="Shape 0"/>
+          <p:cNvSpPr/>
+          <p:nvPr/>
+        </p:nvSpPr>
+        <p:spPr>
+          <a:xfrm>
+            <a:off x="0" y="0"/>
+            <a:ext cx="14630400" cy="8229600"/>
+          </a:xfrm>
+          <a:prstGeom prst="rect">
+            <a:avLst/>
+          </a:prstGeom>
+          <a:solidFill>
+            <a:srgbClr val="EBF4F3"/>
+          </a:solidFill>
+          <a:ln/>
+        </p:spPr>
+      </p:sp>
+      <p:sp>
+        <p:nvSpPr>
+          <p:cNvPr id="3" name="Shape 1"/>
+          <p:cNvSpPr/>
+          <p:nvPr/>
+        </p:nvSpPr>
+        <p:spPr>
+          <a:xfrm>
+            <a:off x="0" y="0"/>
+            <a:ext cx="14630400" cy="8229600"/>
+          </a:xfrm>
+          <a:prstGeom prst="rect">
+            <a:avLst/>
+          </a:prstGeom>
+          <a:solidFill>
+            <a:srgbClr val="FFFFFF"/>
+          </a:solidFill>
+          <a:ln/>
+        </p:spPr>
+      </p:sp>
+      <p:pic>
+        <p:nvPicPr>
+          <p:cNvPr id="4" name="Image 0" descr="preencoded.png"/>
+          <p:cNvPicPr>
+            <a:picLocks noChangeAspect="1"/>
+          </p:cNvPicPr>
+          <p:nvPr/>
+        </p:nvPicPr>
+        <p:blipFill>
+          <a:blip r:embed="rId3"/>
+          <a:stretch>
+            <a:fillRect/>
+          </a:stretch>
+        </p:blipFill>
+        <p:spPr>
+          <a:xfrm>
+            <a:off x="0" y="0"/>
+            <a:ext cx="3657600" cy="8229600"/>
+          </a:xfrm>
+          <a:prstGeom prst="rect">
+            <a:avLst/>
+          </a:prstGeom>
+        </p:spPr>
+      </p:pic>
+      <p:sp>
+        <p:nvSpPr>
+          <p:cNvPr id="5" name="Text 2"/>
+          <p:cNvSpPr/>
+          <p:nvPr/>
+        </p:nvSpPr>
+        <p:spPr>
+          <a:xfrm>
+            <a:off x="4490799" y="1103114"/>
+            <a:ext cx="4443889" cy="694373"/>
+          </a:xfrm>
+          <a:prstGeom prst="rect">
+            <a:avLst/>
+          </a:prstGeom>
+          <a:noFill/>
+          <a:ln/>
+        </p:spPr>
+        <p:txBody>
+          <a:bodyPr wrap="none" rtlCol="0" anchor="t"/>
+          <a:lstStyle/>
+          <a:p>
+            <a:pPr marL="0" indent="0">
+              <a:lnSpc>
+                <a:spcPts val="5468"/>
+              </a:lnSpc>
+              <a:buNone/>
+            </a:pPr>
+            <a:r>
+              <a:rPr lang="en-US" sz="4374" dirty="0">
+                <a:solidFill>
+                  <a:srgbClr val="272D45"/>
+                </a:solidFill>
+                <a:latin typeface="Kanit" pitchFamily="34" charset="0"/>
+                <a:ea typeface="Kanit" pitchFamily="34" charset="-122"/>
+                <a:cs typeface="Kanit" pitchFamily="34" charset="-120"/>
+              </a:rPr>
+              <a:t>Введение</a:t>
+            </a:r>
+            <a:endParaRPr lang="en-US" sz="4374" dirty="0"/>
+          </a:p>
+        </p:txBody>
+      </p:sp>
+      <p:sp>
+        <p:nvSpPr>
+          <p:cNvPr id="6" name="Shape 3"/>
+          <p:cNvSpPr/>
+          <p:nvPr/>
+        </p:nvSpPr>
+        <p:spPr>
+          <a:xfrm>
+            <a:off x="4801910" y="2130743"/>
+            <a:ext cx="44410" cy="4995624"/>
+          </a:xfrm>
+          <a:prstGeom prst="roundRect">
+            <a:avLst>
+              <a:gd name="adj" fmla="val 225151"/>
+            </a:avLst>
+          </a:prstGeom>
+          <a:solidFill>
+            <a:srgbClr val="C5D2CF"/>
+          </a:solidFill>
+          <a:ln/>
+        </p:spPr>
+      </p:sp>
+      <p:sp>
+        <p:nvSpPr>
+          <p:cNvPr id="7" name="Shape 4"/>
+          <p:cNvSpPr/>
+          <p:nvPr/>
+        </p:nvSpPr>
+        <p:spPr>
+          <a:xfrm>
+            <a:off x="5074027" y="2532043"/>
+            <a:ext cx="777597" cy="44410"/>
+          </a:xfrm>
+          <a:prstGeom prst="roundRect">
+            <a:avLst>
+              <a:gd name="adj" fmla="val 225151"/>
+            </a:avLst>
+          </a:prstGeom>
+          <a:solidFill>
+            <a:srgbClr val="C5D2CF"/>
+          </a:solidFill>
+          <a:ln/>
+        </p:spPr>
+      </p:sp>
+      <p:sp>
+        <p:nvSpPr>
+          <p:cNvPr id="8" name="Shape 5"/>
+          <p:cNvSpPr/>
+          <p:nvPr/>
+        </p:nvSpPr>
+        <p:spPr>
+          <a:xfrm>
+            <a:off x="4574084" y="2304336"/>
+            <a:ext cx="499943" cy="499943"/>
+          </a:xfrm>
+          <a:prstGeom prst="roundRect">
+            <a:avLst>
+              <a:gd name="adj" fmla="val 20000"/>
+            </a:avLst>
+          </a:prstGeom>
+          <a:solidFill>
+            <a:srgbClr val="DFECE9"/>
+          </a:solidFill>
+          <a:ln w="13811">
+            <a:solidFill>
+              <a:srgbClr val="C5D2CF"/>
+            </a:solidFill>
+            <a:prstDash val="solid"/>
+          </a:ln>
+        </p:spPr>
+      </p:sp>
+      <p:sp>
+        <p:nvSpPr>
+          <p:cNvPr id="9" name="Text 6"/>
+          <p:cNvSpPr/>
+          <p:nvPr/>
+        </p:nvSpPr>
+        <p:spPr>
+          <a:xfrm>
+            <a:off x="4774466" y="2346008"/>
+            <a:ext cx="99060" cy="416481"/>
+          </a:xfrm>
+          <a:prstGeom prst="rect">
+            <a:avLst/>
+          </a:prstGeom>
+          <a:noFill/>
+          <a:ln/>
+        </p:spPr>
+        <p:txBody>
+          <a:bodyPr wrap="none" rtlCol="0" anchor="t"/>
+          <a:lstStyle/>
+          <a:p>
+            <a:pPr marL="0" indent="0" algn="ctr">
+              <a:lnSpc>
+                <a:spcPts val="3281"/>
+              </a:lnSpc>
+              <a:buNone/>
+            </a:pPr>
+            <a:r>
+              <a:rPr lang="en-US" sz="2624" dirty="0">
+                <a:solidFill>
+                  <a:srgbClr val="2C3249"/>
+                </a:solidFill>
+                <a:latin typeface="Kanit" pitchFamily="34" charset="0"/>
+                <a:ea typeface="Kanit" pitchFamily="34" charset="-122"/>
+                <a:cs typeface="Kanit" pitchFamily="34" charset="-120"/>
+              </a:rPr>
+              <a:t>1</a:t>
+            </a:r>
+            <a:endParaRPr lang="en-US" sz="2624" dirty="0"/>
+          </a:p>
+        </p:txBody>
+      </p:sp>
+      <p:sp>
+        <p:nvSpPr>
+          <p:cNvPr id="10" name="Text 7"/>
+          <p:cNvSpPr/>
+          <p:nvPr/>
+        </p:nvSpPr>
+        <p:spPr>
+          <a:xfrm>
+            <a:off x="6046113" y="2352913"/>
+            <a:ext cx="3589020" cy="347186"/>
+          </a:xfrm>
+          <a:prstGeom prst="rect">
+            <a:avLst/>
+          </a:prstGeom>
+          <a:noFill/>
+          <a:ln/>
+        </p:spPr>
+        <p:txBody>
+          <a:bodyPr wrap="none" rtlCol="0" anchor="t"/>
+          <a:lstStyle/>
+          <a:p>
+            <a:pPr marL="0" indent="0" algn="l">
+              <a:lnSpc>
+                <a:spcPts val="2734"/>
+              </a:lnSpc>
+              <a:buNone/>
+            </a:pPr>
+            <a:r>
+              <a:rPr lang="en-US" sz="2187" dirty="0">
+                <a:solidFill>
+                  <a:srgbClr val="2C3249"/>
+                </a:solidFill>
+                <a:latin typeface="Kanit" pitchFamily="34" charset="0"/>
+                <a:ea typeface="Kanit" pitchFamily="34" charset="-122"/>
+                <a:cs typeface="Kanit" pitchFamily="34" charset="-120"/>
+              </a:rPr>
+              <a:t>Основной игровой процесс</a:t>
+            </a:r>
+            <a:endParaRPr lang="en-US" sz="2187" dirty="0"/>
+          </a:p>
+        </p:txBody>
+      </p:sp>
+      <p:sp>
+        <p:nvSpPr>
+          <p:cNvPr id="11" name="Text 8"/>
+          <p:cNvSpPr/>
+          <p:nvPr/>
+        </p:nvSpPr>
+        <p:spPr>
+          <a:xfrm>
+            <a:off x="6046113" y="2833330"/>
+            <a:ext cx="7751088" cy="710803"/>
+          </a:xfrm>
+          <a:prstGeom prst="rect">
+            <a:avLst/>
+          </a:prstGeom>
+          <a:noFill/>
+          <a:ln/>
+        </p:spPr>
+        <p:txBody>
+          <a:bodyPr wrap="square" rtlCol="0" anchor="t"/>
+          <a:lstStyle/>
+          <a:p>
+            <a:pPr marL="0" indent="0" algn="l">
+              <a:lnSpc>
+                <a:spcPts val="2799"/>
+              </a:lnSpc>
+              <a:buNone/>
+            </a:pPr>
+            <a:r>
+              <a:rPr lang="en-US" sz="1750" dirty="0">
+                <a:solidFill>
+                  <a:srgbClr val="2C3249"/>
+                </a:solidFill>
+                <a:latin typeface="Martel Sans" pitchFamily="34" charset="0"/>
+                <a:ea typeface="Martel Sans" pitchFamily="34" charset="-122"/>
+                <a:cs typeface="Martel Sans" pitchFamily="34" charset="-120"/>
+              </a:rPr>
+              <a:t>Сосредоточен вокруг стратегии, тактики и мастерства управления боевой техникой.</a:t>
+            </a:r>
+            <a:endParaRPr lang="en-US" sz="1750" dirty="0"/>
+          </a:p>
+        </p:txBody>
+      </p:sp>
+      <p:sp>
+        <p:nvSpPr>
+          <p:cNvPr id="12" name="Shape 9"/>
+          <p:cNvSpPr/>
+          <p:nvPr/>
+        </p:nvSpPr>
+        <p:spPr>
+          <a:xfrm>
+            <a:off x="5074027" y="4389775"/>
+            <a:ext cx="777597" cy="44410"/>
+          </a:xfrm>
+          <a:prstGeom prst="roundRect">
+            <a:avLst>
+              <a:gd name="adj" fmla="val 225151"/>
+            </a:avLst>
+          </a:prstGeom>
+          <a:solidFill>
+            <a:srgbClr val="C5D2CF"/>
+          </a:solidFill>
+          <a:ln/>
+        </p:spPr>
+      </p:sp>
+      <p:sp>
+        <p:nvSpPr>
+          <p:cNvPr id="13" name="Shape 10"/>
+          <p:cNvSpPr/>
+          <p:nvPr/>
+        </p:nvSpPr>
+        <p:spPr>
+          <a:xfrm>
+            <a:off x="4574084" y="4162068"/>
+            <a:ext cx="499943" cy="499943"/>
+          </a:xfrm>
+          <a:prstGeom prst="roundRect">
+            <a:avLst>
+              <a:gd name="adj" fmla="val 20000"/>
+            </a:avLst>
+          </a:prstGeom>
+          <a:solidFill>
+            <a:srgbClr val="DFECE9"/>
+          </a:solidFill>
+          <a:ln w="13811">
+            <a:solidFill>
+              <a:srgbClr val="C5D2CF"/>
+            </a:solidFill>
+            <a:prstDash val="solid"/>
+          </a:ln>
+        </p:spPr>
+      </p:sp>
+      <p:sp>
+        <p:nvSpPr>
+          <p:cNvPr id="14" name="Text 11"/>
+          <p:cNvSpPr/>
+          <p:nvPr/>
+        </p:nvSpPr>
+        <p:spPr>
+          <a:xfrm>
+            <a:off x="4740176" y="4203740"/>
+            <a:ext cx="167640" cy="416481"/>
+          </a:xfrm>
+          <a:prstGeom prst="rect">
+            <a:avLst/>
+          </a:prstGeom>
+          <a:noFill/>
+          <a:ln/>
+        </p:spPr>
+        <p:txBody>
+          <a:bodyPr wrap="none" rtlCol="0" anchor="t"/>
+          <a:lstStyle/>
+          <a:p>
+            <a:pPr marL="0" indent="0" algn="ctr">
+              <a:lnSpc>
+                <a:spcPts val="3281"/>
+              </a:lnSpc>
+              <a:buNone/>
+            </a:pPr>
+            <a:r>
+              <a:rPr lang="en-US" sz="2624" dirty="0">
+                <a:solidFill>
+                  <a:srgbClr val="2C3249"/>
+                </a:solidFill>
+                <a:latin typeface="Kanit" pitchFamily="34" charset="0"/>
+                <a:ea typeface="Kanit" pitchFamily="34" charset="-122"/>
+                <a:cs typeface="Kanit" pitchFamily="34" charset="-120"/>
+              </a:rPr>
+              <a:t>2</a:t>
+            </a:r>
+            <a:endParaRPr lang="en-US" sz="2624" dirty="0"/>
+          </a:p>
+        </p:txBody>
+      </p:sp>
+      <p:sp>
+        <p:nvSpPr>
+          <p:cNvPr id="15" name="Text 12"/>
+          <p:cNvSpPr/>
+          <p:nvPr/>
+        </p:nvSpPr>
+        <p:spPr>
+          <a:xfrm>
+            <a:off x="6046113" y="4210645"/>
+            <a:ext cx="2221944" cy="347186"/>
+          </a:xfrm>
+          <a:prstGeom prst="rect">
+            <a:avLst/>
+          </a:prstGeom>
+          <a:noFill/>
+          <a:ln/>
+        </p:spPr>
+        <p:txBody>
+          <a:bodyPr wrap="none" rtlCol="0" anchor="t"/>
+          <a:lstStyle/>
+          <a:p>
+            <a:pPr marL="0" indent="0" algn="l">
+              <a:lnSpc>
+                <a:spcPts val="2734"/>
+              </a:lnSpc>
+              <a:buNone/>
+            </a:pPr>
+            <a:r>
+              <a:rPr lang="en-US" sz="2187" dirty="0">
+                <a:solidFill>
+                  <a:srgbClr val="2C3249"/>
+                </a:solidFill>
+                <a:latin typeface="Kanit" pitchFamily="34" charset="0"/>
+                <a:ea typeface="Kanit" pitchFamily="34" charset="-122"/>
+                <a:cs typeface="Kanit" pitchFamily="34" charset="-120"/>
+              </a:rPr>
+              <a:t>Уровни</a:t>
+            </a:r>
+            <a:endParaRPr lang="en-US" sz="2187" dirty="0"/>
+          </a:p>
+        </p:txBody>
+      </p:sp>
+      <p:sp>
+        <p:nvSpPr>
+          <p:cNvPr id="16" name="Text 13"/>
+          <p:cNvSpPr/>
+          <p:nvPr/>
+        </p:nvSpPr>
+        <p:spPr>
+          <a:xfrm>
+            <a:off x="6046113" y="4691063"/>
+            <a:ext cx="7751088" cy="355402"/>
+          </a:xfrm>
+          <a:prstGeom prst="rect">
+            <a:avLst/>
+          </a:prstGeom>
+          <a:noFill/>
+          <a:ln/>
+        </p:spPr>
+        <p:txBody>
+          <a:bodyPr wrap="none" rtlCol="0" anchor="t"/>
+          <a:lstStyle/>
+          <a:p>
+            <a:pPr marL="0" indent="0" algn="l">
+              <a:lnSpc>
+                <a:spcPts val="2799"/>
+              </a:lnSpc>
+              <a:buNone/>
+            </a:pPr>
+            <a:r>
+              <a:rPr lang="en-US" sz="1750" dirty="0">
+                <a:solidFill>
+                  <a:srgbClr val="2C3249"/>
+                </a:solidFill>
+                <a:latin typeface="Martel Sans" pitchFamily="34" charset="0"/>
+                <a:ea typeface="Martel Sans" pitchFamily="34" charset="-122"/>
+                <a:cs typeface="Martel Sans" pitchFamily="34" charset="-120"/>
+              </a:rPr>
+              <a:t>Варьируются по сложности, архитектуре и вражеским силам.</a:t>
+            </a:r>
+            <a:endParaRPr lang="en-US" sz="1750" dirty="0"/>
+          </a:p>
+        </p:txBody>
+      </p:sp>
+      <p:sp>
+        <p:nvSpPr>
+          <p:cNvPr id="17" name="Shape 14"/>
+          <p:cNvSpPr/>
+          <p:nvPr/>
+        </p:nvSpPr>
+        <p:spPr>
+          <a:xfrm>
+            <a:off x="5074027" y="5892105"/>
+            <a:ext cx="777597" cy="44410"/>
+          </a:xfrm>
+          <a:prstGeom prst="roundRect">
+            <a:avLst>
+              <a:gd name="adj" fmla="val 225151"/>
+            </a:avLst>
+          </a:prstGeom>
+          <a:solidFill>
+            <a:srgbClr val="C5D2CF"/>
+          </a:solidFill>
+          <a:ln/>
+        </p:spPr>
+      </p:sp>
+      <p:sp>
+        <p:nvSpPr>
+          <p:cNvPr id="18" name="Shape 15"/>
+          <p:cNvSpPr/>
+          <p:nvPr/>
+        </p:nvSpPr>
+        <p:spPr>
+          <a:xfrm>
+            <a:off x="4574084" y="5664398"/>
+            <a:ext cx="499943" cy="499943"/>
+          </a:xfrm>
+          <a:prstGeom prst="roundRect">
+            <a:avLst>
+              <a:gd name="adj" fmla="val 20000"/>
+            </a:avLst>
+          </a:prstGeom>
+          <a:solidFill>
+            <a:srgbClr val="DFECE9"/>
+          </a:solidFill>
+          <a:ln w="13811">
+            <a:solidFill>
+              <a:srgbClr val="C5D2CF"/>
+            </a:solidFill>
+            <a:prstDash val="solid"/>
+          </a:ln>
+        </p:spPr>
+      </p:sp>
+      <p:sp>
+        <p:nvSpPr>
+          <p:cNvPr id="19" name="Text 16"/>
+          <p:cNvSpPr/>
+          <p:nvPr/>
+        </p:nvSpPr>
+        <p:spPr>
+          <a:xfrm>
+            <a:off x="4736366" y="5706070"/>
+            <a:ext cx="175260" cy="416481"/>
+          </a:xfrm>
+          <a:prstGeom prst="rect">
+            <a:avLst/>
+          </a:prstGeom>
+          <a:noFill/>
+          <a:ln/>
+        </p:spPr>
+        <p:txBody>
+          <a:bodyPr wrap="none" rtlCol="0" anchor="t"/>
+          <a:lstStyle/>
+          <a:p>
+            <a:pPr marL="0" indent="0" algn="ctr">
+              <a:lnSpc>
+                <a:spcPts val="3281"/>
+              </a:lnSpc>
+              <a:buNone/>
+            </a:pPr>
+            <a:r>
+              <a:rPr lang="en-US" sz="2624" dirty="0">
+                <a:solidFill>
+                  <a:srgbClr val="2C3249"/>
+                </a:solidFill>
+                <a:latin typeface="Kanit" pitchFamily="34" charset="0"/>
+                <a:ea typeface="Kanit" pitchFamily="34" charset="-122"/>
+                <a:cs typeface="Kanit" pitchFamily="34" charset="-120"/>
+              </a:rPr>
+              <a:t>3</a:t>
+            </a:r>
+            <a:endParaRPr lang="en-US" sz="2624" dirty="0"/>
+          </a:p>
+        </p:txBody>
+      </p:sp>
+      <p:sp>
+        <p:nvSpPr>
+          <p:cNvPr id="20" name="Text 17"/>
+          <p:cNvSpPr/>
+          <p:nvPr/>
+        </p:nvSpPr>
+        <p:spPr>
+          <a:xfrm>
+            <a:off x="6046113" y="5712976"/>
+            <a:ext cx="2842260" cy="347186"/>
+          </a:xfrm>
+          <a:prstGeom prst="rect">
+            <a:avLst/>
+          </a:prstGeom>
+          <a:noFill/>
+          <a:ln/>
+        </p:spPr>
+        <p:txBody>
+          <a:bodyPr wrap="none" rtlCol="0" anchor="t"/>
+          <a:lstStyle/>
+          <a:p>
+            <a:pPr marL="0" indent="0" algn="l">
+              <a:lnSpc>
+                <a:spcPts val="2734"/>
+              </a:lnSpc>
+              <a:buNone/>
+            </a:pPr>
+            <a:r>
+              <a:rPr lang="en-US" sz="2187" dirty="0">
+                <a:solidFill>
+                  <a:srgbClr val="2C3249"/>
+                </a:solidFill>
+                <a:latin typeface="Kanit" pitchFamily="34" charset="0"/>
+                <a:ea typeface="Kanit" pitchFamily="34" charset="-122"/>
+                <a:cs typeface="Kanit" pitchFamily="34" charset="-120"/>
+              </a:rPr>
+              <a:t>Тактические решения</a:t>
+            </a:r>
+            <a:endParaRPr lang="en-US" sz="2187" dirty="0"/>
+          </a:p>
+        </p:txBody>
+      </p:sp>
+      <p:sp>
+        <p:nvSpPr>
+          <p:cNvPr id="21" name="Text 18"/>
+          <p:cNvSpPr/>
+          <p:nvPr/>
+        </p:nvSpPr>
+        <p:spPr>
+          <a:xfrm>
+            <a:off x="6046113" y="6193393"/>
+            <a:ext cx="7751088" cy="710803"/>
+          </a:xfrm>
+          <a:prstGeom prst="rect">
+            <a:avLst/>
+          </a:prstGeom>
+          <a:noFill/>
+          <a:ln/>
+        </p:spPr>
+        <p:txBody>
+          <a:bodyPr wrap="square" rtlCol="0" anchor="t"/>
+          <a:lstStyle/>
+          <a:p>
+            <a:pPr marL="0" indent="0" algn="l">
+              <a:lnSpc>
+                <a:spcPts val="2799"/>
+              </a:lnSpc>
+              <a:buNone/>
+            </a:pPr>
+            <a:r>
+              <a:rPr lang="en-US" sz="1750" dirty="0">
+                <a:solidFill>
+                  <a:srgbClr val="2C3249"/>
+                </a:solidFill>
+                <a:latin typeface="Martel Sans" pitchFamily="34" charset="0"/>
+                <a:ea typeface="Martel Sans" pitchFamily="34" charset="-122"/>
+                <a:cs typeface="Martel Sans" pitchFamily="34" charset="-120"/>
+              </a:rPr>
+              <a:t>Использование укрытий, ловушек и стратегических точек на карте для выигрыша сражений.</a:t>
+            </a:r>
+            <a:endParaRPr lang="en-US" sz="1750" dirty="0"/>
+          </a:p>
+        </p:txBody>
+      </p:sp>
+    </p:spTree>
+  </p:cSld>
+  <p:clrMapOvr>
+    <a:masterClrMapping/>
+  </p:clrMapOvr>
+</p:sld>
+</file>
+
+<file path=ppt/slides/slide3.xml><?xml version="1.0" encoding="utf-8"?>
 <p:sld xmlns:a="http://schemas.openxmlformats.org/drawingml/2006/main" xmlns:r="http://schemas.openxmlformats.org/officeDocument/2006/relationships" xmlns:p="http://schemas.openxmlformats.org/presentationml/2006/main">
   <p:cSld name="Slide 2">
     <p:spTree>
@@ -1239,7 +2102,7 @@
             <a:avLst/>
           </a:prstGeom>
           <a:solidFill>
-            <a:srgbClr val="F2E4CF"/>
+            <a:srgbClr val="EBF4F3"/>
           </a:solidFill>
           <a:ln/>
         </p:spPr>
@@ -1259,76 +2122,30 @@
             <a:avLst/>
           </a:prstGeom>
           <a:solidFill>
-            <a:srgbClr val="FEF5E7"/>
-          </a:solidFill>
-          <a:ln/>
-        </p:spPr>
-      </p:sp>
-      <p:pic>
-        <p:nvPicPr>
-          <p:cNvPr id="4" name="Image 0" descr="preencoded.png"/>
-          <p:cNvPicPr>
-            <a:picLocks noChangeAspect="1"/>
-          </p:cNvPicPr>
-          <p:nvPr/>
-        </p:nvPicPr>
-        <p:blipFill>
-          <a:blip r:embed="rId3"/>
-          <a:stretch>
-            <a:fillRect/>
-          </a:stretch>
-        </p:blipFill>
-        <p:spPr>
-          <a:xfrm>
-            <a:off x="0" y="0"/>
-            <a:ext cx="14630400" cy="8229600"/>
-          </a:xfrm>
-          <a:prstGeom prst="rect">
-            <a:avLst/>
-          </a:prstGeom>
-        </p:spPr>
-      </p:pic>
-      <p:sp>
-        <p:nvSpPr>
-          <p:cNvPr id="5" name="Shape 2"/>
-          <p:cNvSpPr/>
-          <p:nvPr/>
-        </p:nvSpPr>
-        <p:spPr>
-          <a:xfrm>
-            <a:off x="0" y="0"/>
-            <a:ext cx="14630400" cy="8229600"/>
-          </a:xfrm>
-          <a:prstGeom prst="rect">
-            <a:avLst/>
-          </a:prstGeom>
-          <a:solidFill>
-            <a:srgbClr val="FEF5E7">
-              <a:alpha val="85000"/>
-            </a:srgbClr>
-          </a:solidFill>
-          <a:ln/>
-        </p:spPr>
-      </p:sp>
-      <p:sp>
-        <p:nvSpPr>
-          <p:cNvPr id="6" name="Text 3"/>
-          <p:cNvSpPr/>
-          <p:nvPr/>
-        </p:nvSpPr>
-        <p:spPr>
-          <a:xfrm>
-            <a:off x="2348389" y="2045970"/>
-            <a:ext cx="9933503" cy="1388745"/>
-          </a:xfrm>
-          <a:prstGeom prst="rect">
-            <a:avLst/>
-          </a:prstGeom>
-          <a:noFill/>
-          <a:ln/>
-        </p:spPr>
-        <p:txBody>
-          <a:bodyPr wrap="square" rtlCol="0" anchor="t"/>
+            <a:srgbClr val="FFFFFF"/>
+          </a:solidFill>
+          <a:ln/>
+        </p:spPr>
+      </p:sp>
+      <p:sp>
+        <p:nvSpPr>
+          <p:cNvPr id="4" name="Text 2"/>
+          <p:cNvSpPr/>
+          <p:nvPr/>
+        </p:nvSpPr>
+        <p:spPr>
+          <a:xfrm>
+            <a:off x="2037993" y="1104662"/>
+            <a:ext cx="4564380" cy="694373"/>
+          </a:xfrm>
+          <a:prstGeom prst="rect">
+            <a:avLst/>
+          </a:prstGeom>
+          <a:noFill/>
+          <a:ln/>
+        </p:spPr>
+        <p:txBody>
+          <a:bodyPr wrap="none" rtlCol="0" anchor="t"/>
           <a:lstStyle/>
           <a:p>
             <a:pPr marL="0" indent="0">
@@ -1340,13 +2157,13 @@
             <a:r>
               <a:rPr lang="en-US" sz="4374" dirty="0">
                 <a:solidFill>
-                  <a:srgbClr val="38512F"/>
-                </a:solidFill>
-                <a:latin typeface="Lora" pitchFamily="34" charset="0"/>
-                <a:ea typeface="Lora" pitchFamily="34" charset="-122"/>
-                <a:cs typeface="Lora" pitchFamily="34" charset="-120"/>
-              </a:rPr>
-              <a:t>Основные концепции и механики игры "Tank Battles"</a:t>
+                  <a:srgbClr val="272D45"/>
+                </a:solidFill>
+                <a:latin typeface="Kanit" pitchFamily="34" charset="0"/>
+                <a:ea typeface="Kanit" pitchFamily="34" charset="-122"/>
+                <a:cs typeface="Kanit" pitchFamily="34" charset="-120"/>
+              </a:rPr>
+              <a:t>Игровой процесс</a:t>
             </a:r>
             <a:endParaRPr lang="en-US" sz="4374" dirty="0"/>
           </a:p>
@@ -1354,36 +2171,41 @@
       </p:sp>
       <p:sp>
         <p:nvSpPr>
-          <p:cNvPr id="7" name="Shape 4"/>
-          <p:cNvSpPr/>
-          <p:nvPr/>
-        </p:nvSpPr>
-        <p:spPr>
-          <a:xfrm>
-            <a:off x="2348389" y="3767971"/>
-            <a:ext cx="3163014" cy="2415659"/>
+          <p:cNvPr id="5" name="Shape 3"/>
+          <p:cNvSpPr/>
+          <p:nvPr/>
+        </p:nvSpPr>
+        <p:spPr>
+          <a:xfrm>
+            <a:off x="2037993" y="2416969"/>
+            <a:ext cx="499943" cy="499943"/>
           </a:xfrm>
           <a:prstGeom prst="roundRect">
             <a:avLst>
-              <a:gd name="adj" fmla="val 2759"/>
+              <a:gd name="adj" fmla="val 20000"/>
             </a:avLst>
           </a:prstGeom>
           <a:solidFill>
-            <a:srgbClr val="F6E9D5"/>
-          </a:solidFill>
-          <a:ln/>
-        </p:spPr>
-      </p:sp>
-      <p:sp>
-        <p:nvSpPr>
-          <p:cNvPr id="8" name="Text 5"/>
-          <p:cNvSpPr/>
-          <p:nvPr/>
-        </p:nvSpPr>
-        <p:spPr>
-          <a:xfrm>
-            <a:off x="2570559" y="3990142"/>
-            <a:ext cx="2666286" cy="416481"/>
+            <a:srgbClr val="DFECE9"/>
+          </a:solidFill>
+          <a:ln w="13811">
+            <a:solidFill>
+              <a:srgbClr val="C5D2CF"/>
+            </a:solidFill>
+            <a:prstDash val="solid"/>
+          </a:ln>
+        </p:spPr>
+      </p:sp>
+      <p:sp>
+        <p:nvSpPr>
+          <p:cNvPr id="6" name="Text 4"/>
+          <p:cNvSpPr/>
+          <p:nvPr/>
+        </p:nvSpPr>
+        <p:spPr>
+          <a:xfrm>
+            <a:off x="2238375" y="2458641"/>
+            <a:ext cx="99060" cy="416481"/>
           </a:xfrm>
           <a:prstGeom prst="rect">
             <a:avLst/>
@@ -1395,37 +2217,79 @@
           <a:bodyPr wrap="none" rtlCol="0" anchor="t"/>
           <a:lstStyle/>
           <a:p>
+            <a:pPr marL="0" indent="0" algn="ctr">
+              <a:lnSpc>
+                <a:spcPts val="3281"/>
+              </a:lnSpc>
+              <a:buNone/>
+            </a:pPr>
+            <a:r>
+              <a:rPr lang="en-US" sz="2624" dirty="0">
+                <a:solidFill>
+                  <a:srgbClr val="2C3249"/>
+                </a:solidFill>
+                <a:latin typeface="Kanit" pitchFamily="34" charset="0"/>
+                <a:ea typeface="Kanit" pitchFamily="34" charset="-122"/>
+                <a:cs typeface="Kanit" pitchFamily="34" charset="-120"/>
+              </a:rPr>
+              <a:t>1</a:t>
+            </a:r>
+            <a:endParaRPr lang="en-US" sz="2624" dirty="0"/>
+          </a:p>
+        </p:txBody>
+      </p:sp>
+      <p:sp>
+        <p:nvSpPr>
+          <p:cNvPr id="7" name="Text 5"/>
+          <p:cNvSpPr/>
+          <p:nvPr/>
+        </p:nvSpPr>
+        <p:spPr>
+          <a:xfrm>
+            <a:off x="2760107" y="2493288"/>
+            <a:ext cx="2221944" cy="347186"/>
+          </a:xfrm>
+          <a:prstGeom prst="rect">
+            <a:avLst/>
+          </a:prstGeom>
+          <a:noFill/>
+          <a:ln/>
+        </p:spPr>
+        <p:txBody>
+          <a:bodyPr wrap="none" rtlCol="0" anchor="t"/>
+          <a:lstStyle/>
+          <a:p>
             <a:pPr marL="0" indent="0">
               <a:lnSpc>
-                <a:spcPts val="3281"/>
-              </a:lnSpc>
-              <a:buNone/>
-            </a:pPr>
-            <a:r>
-              <a:rPr lang="en-US" sz="2624" dirty="0">
-                <a:solidFill>
-                  <a:srgbClr val="38512F"/>
-                </a:solidFill>
-                <a:latin typeface="Lora" pitchFamily="34" charset="0"/>
-                <a:ea typeface="Lora" pitchFamily="34" charset="-122"/>
-                <a:cs typeface="Lora" pitchFamily="34" charset="-120"/>
-              </a:rPr>
-              <a:t>Цель игры</a:t>
-            </a:r>
-            <a:endParaRPr lang="en-US" sz="2624" dirty="0"/>
-          </a:p>
-        </p:txBody>
-      </p:sp>
-      <p:sp>
-        <p:nvSpPr>
-          <p:cNvPr id="9" name="Text 6"/>
-          <p:cNvSpPr/>
-          <p:nvPr/>
-        </p:nvSpPr>
-        <p:spPr>
-          <a:xfrm>
-            <a:off x="2570559" y="4539853"/>
-            <a:ext cx="2718673" cy="1066205"/>
+                <a:spcPts val="2734"/>
+              </a:lnSpc>
+              <a:buNone/>
+            </a:pPr>
+            <a:r>
+              <a:rPr lang="en-US" sz="2187" dirty="0">
+                <a:solidFill>
+                  <a:srgbClr val="2C3249"/>
+                </a:solidFill>
+                <a:latin typeface="Kanit" pitchFamily="34" charset="0"/>
+                <a:ea typeface="Kanit" pitchFamily="34" charset="-122"/>
+                <a:cs typeface="Kanit" pitchFamily="34" charset="-120"/>
+              </a:rPr>
+              <a:t>Танк</a:t>
+            </a:r>
+            <a:endParaRPr lang="en-US" sz="2187" dirty="0"/>
+          </a:p>
+        </p:txBody>
+      </p:sp>
+      <p:sp>
+        <p:nvSpPr>
+          <p:cNvPr id="8" name="Text 6"/>
+          <p:cNvSpPr/>
+          <p:nvPr/>
+        </p:nvSpPr>
+        <p:spPr>
+          <a:xfrm>
+            <a:off x="2760107" y="2973705"/>
+            <a:ext cx="4444008" cy="1421606"/>
           </a:xfrm>
           <a:prstGeom prst="rect">
             <a:avLst/>
@@ -1446,13 +2310,35 @@
             <a:r>
               <a:rPr lang="en-US" sz="1750" dirty="0">
                 <a:solidFill>
-                  <a:srgbClr val="3A3630"/>
-                </a:solidFill>
-                <a:latin typeface="Source Sans Pro" pitchFamily="34" charset="0"/>
-                <a:ea typeface="Source Sans Pro" pitchFamily="34" charset="-122"/>
-                <a:cs typeface="Source Sans Pro" pitchFamily="34" charset="-120"/>
-              </a:rPr>
-              <a:t>Победить врагов и дойти до конечной точки на карте.</a:t>
+                  <a:srgbClr val="2C3249"/>
+                </a:solidFill>
+                <a:latin typeface="Martel Sans" pitchFamily="34" charset="0"/>
+                <a:ea typeface="Martel Sans" pitchFamily="34" charset="-122"/>
+                <a:cs typeface="Martel Sans" pitchFamily="34" charset="-120"/>
+              </a:rPr>
+              <a:t>Танк имеет ограниченный запас боеприпасов и </a:t>
+            </a:r>
+            <a:r>
+              <a:rPr lang="en-US" sz="1750" dirty="0" err="1">
+                <a:solidFill>
+                  <a:srgbClr val="2C3249"/>
+                </a:solidFill>
+                <a:latin typeface="Martel Sans" pitchFamily="34" charset="0"/>
+                <a:ea typeface="Martel Sans" pitchFamily="34" charset="-122"/>
+                <a:cs typeface="Martel Sans" pitchFamily="34" charset="-120"/>
+              </a:rPr>
+              <a:t>брони</a:t>
+            </a:r>
+            <a:r>
+              <a:rPr lang="en-US" sz="1750" dirty="0">
+                <a:solidFill>
+                  <a:srgbClr val="2C3249"/>
+                </a:solidFill>
+                <a:latin typeface="Martel Sans" pitchFamily="34" charset="0"/>
+                <a:ea typeface="Martel Sans" pitchFamily="34" charset="-122"/>
+                <a:cs typeface="Martel Sans" pitchFamily="34" charset="-120"/>
+              </a:rPr>
+              <a:t>.</a:t>
             </a:r>
             <a:endParaRPr lang="en-US" sz="1750" dirty="0"/>
           </a:p>
@@ -1460,36 +2346,41 @@
       </p:sp>
       <p:sp>
         <p:nvSpPr>
-          <p:cNvPr id="10" name="Shape 7"/>
-          <p:cNvSpPr/>
-          <p:nvPr/>
-        </p:nvSpPr>
-        <p:spPr>
-          <a:xfrm>
-            <a:off x="5733574" y="3767971"/>
-            <a:ext cx="3163014" cy="2415659"/>
+          <p:cNvPr id="9" name="Shape 7"/>
+          <p:cNvSpPr/>
+          <p:nvPr/>
+        </p:nvSpPr>
+        <p:spPr>
+          <a:xfrm>
+            <a:off x="7426285" y="2416969"/>
+            <a:ext cx="499943" cy="499943"/>
           </a:xfrm>
           <a:prstGeom prst="roundRect">
             <a:avLst>
-              <a:gd name="adj" fmla="val 2759"/>
+              <a:gd name="adj" fmla="val 20000"/>
             </a:avLst>
           </a:prstGeom>
           <a:solidFill>
-            <a:srgbClr val="F6E9D5"/>
-          </a:solidFill>
-          <a:ln/>
-        </p:spPr>
-      </p:sp>
-      <p:sp>
-        <p:nvSpPr>
-          <p:cNvPr id="11" name="Text 8"/>
-          <p:cNvSpPr/>
-          <p:nvPr/>
-        </p:nvSpPr>
-        <p:spPr>
-          <a:xfrm>
-            <a:off x="5955744" y="3990142"/>
-            <a:ext cx="2666286" cy="416481"/>
+            <a:srgbClr val="DFECE9"/>
+          </a:solidFill>
+          <a:ln w="13811">
+            <a:solidFill>
+              <a:srgbClr val="C5D2CF"/>
+            </a:solidFill>
+            <a:prstDash val="solid"/>
+          </a:ln>
+        </p:spPr>
+      </p:sp>
+      <p:sp>
+        <p:nvSpPr>
+          <p:cNvPr id="10" name="Text 8"/>
+          <p:cNvSpPr/>
+          <p:nvPr/>
+        </p:nvSpPr>
+        <p:spPr>
+          <a:xfrm>
+            <a:off x="7592378" y="2458641"/>
+            <a:ext cx="167640" cy="416481"/>
           </a:xfrm>
           <a:prstGeom prst="rect">
             <a:avLst/>
@@ -1501,37 +2392,79 @@
           <a:bodyPr wrap="none" rtlCol="0" anchor="t"/>
           <a:lstStyle/>
           <a:p>
+            <a:pPr marL="0" indent="0" algn="ctr">
+              <a:lnSpc>
+                <a:spcPts val="3281"/>
+              </a:lnSpc>
+              <a:buNone/>
+            </a:pPr>
+            <a:r>
+              <a:rPr lang="en-US" sz="2624" dirty="0">
+                <a:solidFill>
+                  <a:srgbClr val="2C3249"/>
+                </a:solidFill>
+                <a:latin typeface="Kanit" pitchFamily="34" charset="0"/>
+                <a:ea typeface="Kanit" pitchFamily="34" charset="-122"/>
+                <a:cs typeface="Kanit" pitchFamily="34" charset="-120"/>
+              </a:rPr>
+              <a:t>2</a:t>
+            </a:r>
+            <a:endParaRPr lang="en-US" sz="2624" dirty="0"/>
+          </a:p>
+        </p:txBody>
+      </p:sp>
+      <p:sp>
+        <p:nvSpPr>
+          <p:cNvPr id="11" name="Text 9"/>
+          <p:cNvSpPr/>
+          <p:nvPr/>
+        </p:nvSpPr>
+        <p:spPr>
+          <a:xfrm>
+            <a:off x="8148399" y="2493288"/>
+            <a:ext cx="2221944" cy="347186"/>
+          </a:xfrm>
+          <a:prstGeom prst="rect">
+            <a:avLst/>
+          </a:prstGeom>
+          <a:noFill/>
+          <a:ln/>
+        </p:spPr>
+        <p:txBody>
+          <a:bodyPr wrap="none" rtlCol="0" anchor="t"/>
+          <a:lstStyle/>
+          <a:p>
             <a:pPr marL="0" indent="0">
               <a:lnSpc>
-                <a:spcPts val="3281"/>
-              </a:lnSpc>
-              <a:buNone/>
-            </a:pPr>
-            <a:r>
-              <a:rPr lang="en-US" sz="2624" dirty="0">
-                <a:solidFill>
-                  <a:srgbClr val="38512F"/>
-                </a:solidFill>
-                <a:latin typeface="Lora" pitchFamily="34" charset="0"/>
-                <a:ea typeface="Lora" pitchFamily="34" charset="-122"/>
-                <a:cs typeface="Lora" pitchFamily="34" charset="-120"/>
-              </a:rPr>
-              <a:t>Бонусы</a:t>
-            </a:r>
-            <a:endParaRPr lang="en-US" sz="2624" dirty="0"/>
-          </a:p>
-        </p:txBody>
-      </p:sp>
-      <p:sp>
-        <p:nvSpPr>
-          <p:cNvPr id="12" name="Text 9"/>
-          <p:cNvSpPr/>
-          <p:nvPr/>
-        </p:nvSpPr>
-        <p:spPr>
-          <a:xfrm>
-            <a:off x="5955744" y="4539853"/>
-            <a:ext cx="2718673" cy="1066205"/>
+                <a:spcPts val="2734"/>
+              </a:lnSpc>
+              <a:buNone/>
+            </a:pPr>
+            <a:r>
+              <a:rPr lang="en-US" sz="2187" dirty="0">
+                <a:solidFill>
+                  <a:srgbClr val="2C3249"/>
+                </a:solidFill>
+                <a:latin typeface="Kanit" pitchFamily="34" charset="0"/>
+                <a:ea typeface="Kanit" pitchFamily="34" charset="-122"/>
+                <a:cs typeface="Kanit" pitchFamily="34" charset="-120"/>
+              </a:rPr>
+              <a:t>Противники</a:t>
+            </a:r>
+            <a:endParaRPr lang="en-US" sz="2187" dirty="0"/>
+          </a:p>
+        </p:txBody>
+      </p:sp>
+      <p:sp>
+        <p:nvSpPr>
+          <p:cNvPr id="12" name="Text 10"/>
+          <p:cNvSpPr/>
+          <p:nvPr/>
+        </p:nvSpPr>
+        <p:spPr>
+          <a:xfrm>
+            <a:off x="8148399" y="2973705"/>
+            <a:ext cx="4444008" cy="710803"/>
           </a:xfrm>
           <a:prstGeom prst="rect">
             <a:avLst/>
@@ -1552,13 +2485,13 @@
             <a:r>
               <a:rPr lang="en-US" sz="1750" dirty="0">
                 <a:solidFill>
-                  <a:srgbClr val="3A3630"/>
-                </a:solidFill>
-                <a:latin typeface="Source Sans Pro" pitchFamily="34" charset="0"/>
-                <a:ea typeface="Source Sans Pro" pitchFamily="34" charset="-122"/>
-                <a:cs typeface="Source Sans Pro" pitchFamily="34" charset="-120"/>
-              </a:rPr>
-              <a:t>Собирайте бонусы по пути, чтобы повысить свою защиту и урон.</a:t>
+                  <a:srgbClr val="2C3249"/>
+                </a:solidFill>
+                <a:latin typeface="Martel Sans" pitchFamily="34" charset="0"/>
+                <a:ea typeface="Martel Sans" pitchFamily="34" charset="-122"/>
+                <a:cs typeface="Martel Sans" pitchFamily="34" charset="-120"/>
+              </a:rPr>
+              <a:t>Различные типы вражеских танков с разными характеристиками.</a:t>
             </a:r>
             <a:endParaRPr lang="en-US" sz="1750" dirty="0"/>
           </a:p>
@@ -1566,36 +2499,41 @@
       </p:sp>
       <p:sp>
         <p:nvSpPr>
-          <p:cNvPr id="13" name="Shape 10"/>
-          <p:cNvSpPr/>
-          <p:nvPr/>
-        </p:nvSpPr>
-        <p:spPr>
-          <a:xfrm>
-            <a:off x="9118759" y="3767971"/>
-            <a:ext cx="3163014" cy="2415659"/>
+          <p:cNvPr id="13" name="Shape 11"/>
+          <p:cNvSpPr/>
+          <p:nvPr/>
+        </p:nvSpPr>
+        <p:spPr>
+          <a:xfrm>
+            <a:off x="2037993" y="4791075"/>
+            <a:ext cx="499943" cy="499943"/>
           </a:xfrm>
           <a:prstGeom prst="roundRect">
             <a:avLst>
-              <a:gd name="adj" fmla="val 2759"/>
+              <a:gd name="adj" fmla="val 20000"/>
             </a:avLst>
           </a:prstGeom>
           <a:solidFill>
-            <a:srgbClr val="F6E9D5"/>
-          </a:solidFill>
-          <a:ln/>
-        </p:spPr>
-      </p:sp>
-      <p:sp>
-        <p:nvSpPr>
-          <p:cNvPr id="14" name="Text 11"/>
-          <p:cNvSpPr/>
-          <p:nvPr/>
-        </p:nvSpPr>
-        <p:spPr>
-          <a:xfrm>
-            <a:off x="9340929" y="3990142"/>
-            <a:ext cx="2666286" cy="416481"/>
+            <a:srgbClr val="DFECE9"/>
+          </a:solidFill>
+          <a:ln w="13811">
+            <a:solidFill>
+              <a:srgbClr val="C5D2CF"/>
+            </a:solidFill>
+            <a:prstDash val="solid"/>
+          </a:ln>
+        </p:spPr>
+      </p:sp>
+      <p:sp>
+        <p:nvSpPr>
+          <p:cNvPr id="14" name="Text 12"/>
+          <p:cNvSpPr/>
+          <p:nvPr/>
+        </p:nvSpPr>
+        <p:spPr>
+          <a:xfrm>
+            <a:off x="2200275" y="4832747"/>
+            <a:ext cx="175260" cy="416481"/>
           </a:xfrm>
           <a:prstGeom prst="rect">
             <a:avLst/>
@@ -1607,8 +2545,161 @@
           <a:bodyPr wrap="none" rtlCol="0" anchor="t"/>
           <a:lstStyle/>
           <a:p>
+            <a:pPr marL="0" indent="0" algn="ctr">
+              <a:lnSpc>
+                <a:spcPts val="3281"/>
+              </a:lnSpc>
+              <a:buNone/>
+            </a:pPr>
+            <a:r>
+              <a:rPr lang="en-US" sz="2624" dirty="0">
+                <a:solidFill>
+                  <a:srgbClr val="2C3249"/>
+                </a:solidFill>
+                <a:latin typeface="Kanit" pitchFamily="34" charset="0"/>
+                <a:ea typeface="Kanit" pitchFamily="34" charset="-122"/>
+                <a:cs typeface="Kanit" pitchFamily="34" charset="-120"/>
+              </a:rPr>
+              <a:t>3</a:t>
+            </a:r>
+            <a:endParaRPr lang="en-US" sz="2624" dirty="0"/>
+          </a:p>
+        </p:txBody>
+      </p:sp>
+      <p:sp>
+        <p:nvSpPr>
+          <p:cNvPr id="15" name="Text 13"/>
+          <p:cNvSpPr/>
+          <p:nvPr/>
+        </p:nvSpPr>
+        <p:spPr>
+          <a:xfrm>
+            <a:off x="2760107" y="4867394"/>
+            <a:ext cx="2221944" cy="347186"/>
+          </a:xfrm>
+          <a:prstGeom prst="rect">
+            <a:avLst/>
+          </a:prstGeom>
+          <a:noFill/>
+          <a:ln/>
+        </p:spPr>
+        <p:txBody>
+          <a:bodyPr wrap="none" rtlCol="0" anchor="t"/>
+          <a:lstStyle/>
+          <a:p>
             <a:pPr marL="0" indent="0">
               <a:lnSpc>
+                <a:spcPts val="2734"/>
+              </a:lnSpc>
+              <a:buNone/>
+            </a:pPr>
+            <a:r>
+              <a:rPr lang="en-US" sz="2187" dirty="0">
+                <a:solidFill>
+                  <a:srgbClr val="2C3249"/>
+                </a:solidFill>
+                <a:latin typeface="Kanit" pitchFamily="34" charset="0"/>
+                <a:ea typeface="Kanit" pitchFamily="34" charset="-122"/>
+                <a:cs typeface="Kanit" pitchFamily="34" charset="-120"/>
+              </a:rPr>
+              <a:t>Уровни</a:t>
+            </a:r>
+            <a:endParaRPr lang="en-US" sz="2187" dirty="0"/>
+          </a:p>
+        </p:txBody>
+      </p:sp>
+      <p:sp>
+        <p:nvSpPr>
+          <p:cNvPr id="16" name="Text 14"/>
+          <p:cNvSpPr/>
+          <p:nvPr/>
+        </p:nvSpPr>
+        <p:spPr>
+          <a:xfrm>
+            <a:off x="2760107" y="5347811"/>
+            <a:ext cx="4444008" cy="1777008"/>
+          </a:xfrm>
+          <a:prstGeom prst="rect">
+            <a:avLst/>
+          </a:prstGeom>
+          <a:noFill/>
+          <a:ln/>
+        </p:spPr>
+        <p:txBody>
+          <a:bodyPr wrap="square" rtlCol="0" anchor="t"/>
+          <a:lstStyle/>
+          <a:p>
+            <a:pPr marL="0" indent="0">
+              <a:lnSpc>
+                <a:spcPts val="2799"/>
+              </a:lnSpc>
+              <a:buNone/>
+            </a:pPr>
+            <a:r>
+              <a:rPr lang="en-US" sz="1750" dirty="0">
+                <a:solidFill>
+                  <a:srgbClr val="2C3249"/>
+                </a:solidFill>
+                <a:latin typeface="Martel Sans" pitchFamily="34" charset="0"/>
+                <a:ea typeface="Martel Sans" pitchFamily="34" charset="-122"/>
+                <a:cs typeface="Martel Sans" pitchFamily="34" charset="-120"/>
+              </a:rPr>
+              <a:t>Разнообразные уровни с различными препятствиями, ландшафтом и сложностью. Новые уровни разблокируются по мере прохождения предыдущих.</a:t>
+            </a:r>
+            <a:endParaRPr lang="en-US" sz="1750" dirty="0"/>
+          </a:p>
+        </p:txBody>
+      </p:sp>
+      <p:sp>
+        <p:nvSpPr>
+          <p:cNvPr id="17" name="Shape 15"/>
+          <p:cNvSpPr/>
+          <p:nvPr/>
+        </p:nvSpPr>
+        <p:spPr>
+          <a:xfrm>
+            <a:off x="7426285" y="4791075"/>
+            <a:ext cx="499943" cy="499943"/>
+          </a:xfrm>
+          <a:prstGeom prst="roundRect">
+            <a:avLst>
+              <a:gd name="adj" fmla="val 20000"/>
+            </a:avLst>
+          </a:prstGeom>
+          <a:solidFill>
+            <a:srgbClr val="DFECE9"/>
+          </a:solidFill>
+          <a:ln w="13811">
+            <a:solidFill>
+              <a:srgbClr val="C5D2CF"/>
+            </a:solidFill>
+            <a:prstDash val="solid"/>
+          </a:ln>
+        </p:spPr>
+      </p:sp>
+      <p:sp>
+        <p:nvSpPr>
+          <p:cNvPr id="18" name="Text 16"/>
+          <p:cNvSpPr/>
+          <p:nvPr/>
+        </p:nvSpPr>
+        <p:spPr>
+          <a:xfrm>
+            <a:off x="7584758" y="4832747"/>
+            <a:ext cx="182880" cy="416481"/>
+          </a:xfrm>
+          <a:prstGeom prst="rect">
+            <a:avLst/>
+          </a:prstGeom>
+          <a:noFill/>
+          <a:ln/>
+        </p:spPr>
+        <p:txBody>
+          <a:bodyPr wrap="none" rtlCol="0" anchor="t"/>
+          <a:lstStyle/>
+          <a:p>
+            <a:pPr marL="0" indent="0" algn="ctr">
+              <a:lnSpc>
                 <a:spcPts val="3281"/>
               </a:lnSpc>
               <a:buNone/>
@@ -1616,13 +2707,13 @@
             <a:r>
               <a:rPr lang="en-US" sz="2624" dirty="0">
                 <a:solidFill>
-                  <a:srgbClr val="38512F"/>
-                </a:solidFill>
-                <a:latin typeface="Lora" pitchFamily="34" charset="0"/>
-                <a:ea typeface="Lora" pitchFamily="34" charset="-122"/>
-                <a:cs typeface="Lora" pitchFamily="34" charset="-120"/>
-              </a:rPr>
-              <a:t>Уровни</a:t>
+                  <a:srgbClr val="2C3249"/>
+                </a:solidFill>
+                <a:latin typeface="Kanit" pitchFamily="34" charset="0"/>
+                <a:ea typeface="Kanit" pitchFamily="34" charset="-122"/>
+                <a:cs typeface="Kanit" pitchFamily="34" charset="-120"/>
+              </a:rPr>
+              <a:t>4</a:t>
             </a:r>
             <a:endParaRPr lang="en-US" sz="2624" dirty="0"/>
           </a:p>
@@ -1630,14 +2721,56 @@
       </p:sp>
       <p:sp>
         <p:nvSpPr>
-          <p:cNvPr id="15" name="Text 12"/>
-          <p:cNvSpPr/>
-          <p:nvPr/>
-        </p:nvSpPr>
-        <p:spPr>
-          <a:xfrm>
-            <a:off x="9340929" y="4539853"/>
-            <a:ext cx="2718673" cy="1421606"/>
+          <p:cNvPr id="19" name="Text 17"/>
+          <p:cNvSpPr/>
+          <p:nvPr/>
+        </p:nvSpPr>
+        <p:spPr>
+          <a:xfrm>
+            <a:off x="8148399" y="4867394"/>
+            <a:ext cx="2221944" cy="347186"/>
+          </a:xfrm>
+          <a:prstGeom prst="rect">
+            <a:avLst/>
+          </a:prstGeom>
+          <a:noFill/>
+          <a:ln/>
+        </p:spPr>
+        <p:txBody>
+          <a:bodyPr wrap="none" rtlCol="0" anchor="t"/>
+          <a:lstStyle/>
+          <a:p>
+            <a:pPr marL="0" indent="0">
+              <a:lnSpc>
+                <a:spcPts val="2734"/>
+              </a:lnSpc>
+              <a:buNone/>
+            </a:pPr>
+            <a:r>
+              <a:rPr lang="ru-RU" sz="2187" dirty="0">
+                <a:solidFill>
+                  <a:srgbClr val="2C3249"/>
+                </a:solidFill>
+                <a:latin typeface="Kanit" pitchFamily="34" charset="0"/>
+                <a:ea typeface="Kanit" pitchFamily="34" charset="-122"/>
+                <a:cs typeface="Kanit" pitchFamily="34" charset="-120"/>
+              </a:rPr>
+              <a:t>Очки</a:t>
+            </a:r>
+            <a:endParaRPr lang="en-US" sz="2187" dirty="0"/>
+          </a:p>
+        </p:txBody>
+      </p:sp>
+      <p:sp>
+        <p:nvSpPr>
+          <p:cNvPr id="20" name="Text 18"/>
+          <p:cNvSpPr/>
+          <p:nvPr/>
+        </p:nvSpPr>
+        <p:spPr>
+          <a:xfrm>
+            <a:off x="8148399" y="5347811"/>
+            <a:ext cx="4444008" cy="1421606"/>
           </a:xfrm>
           <a:prstGeom prst="rect">
             <a:avLst/>
@@ -1656,15 +2789,26 @@
               <a:buNone/>
             </a:pPr>
             <a:r>
+              <a:rPr lang="en-US" sz="1750" dirty="0" err="1">
+                <a:solidFill>
+                  <a:srgbClr val="2C3249"/>
+                </a:solidFill>
+                <a:latin typeface="Martel Sans" pitchFamily="34" charset="0"/>
+                <a:ea typeface="Martel Sans" pitchFamily="34" charset="-122"/>
+                <a:cs typeface="Martel Sans" pitchFamily="34" charset="-120"/>
+              </a:rPr>
+              <a:t>За</a:t>
+            </a:r>
+            <a:r>
               <a:rPr lang="en-US" sz="1750" dirty="0">
                 <a:solidFill>
-                  <a:srgbClr val="3A3630"/>
-                </a:solidFill>
-                <a:latin typeface="Source Sans Pro" pitchFamily="34" charset="0"/>
-                <a:ea typeface="Source Sans Pro" pitchFamily="34" charset="-122"/>
-                <a:cs typeface="Source Sans Pro" pitchFamily="34" charset="-120"/>
-              </a:rPr>
-              <a:t>Игра содержит множество уровней с различными трудностями и препятствиями.</a:t>
+                  <a:srgbClr val="2C3249"/>
+                </a:solidFill>
+                <a:latin typeface="Martel Sans" pitchFamily="34" charset="0"/>
+                <a:ea typeface="Martel Sans" pitchFamily="34" charset="-122"/>
+                <a:cs typeface="Martel Sans" pitchFamily="34" charset="-120"/>
+              </a:rPr>
+              <a:t> уничтожение врагов и прохождение уровней начисляются очки.</a:t>
             </a:r>
             <a:endParaRPr lang="en-US" sz="1750" dirty="0"/>
           </a:p>
@@ -1678,7 +2822,7 @@
 </p:sld>
 </file>
 
-<file path=ppt/slides/slide3.xml><?xml version="1.0" encoding="utf-8"?>
+<file path=ppt/slides/slide4.xml><?xml version="1.0" encoding="utf-8"?>
 <p:sld xmlns:a="http://schemas.openxmlformats.org/drawingml/2006/main" xmlns:r="http://schemas.openxmlformats.org/officeDocument/2006/relationships" xmlns:p="http://schemas.openxmlformats.org/presentationml/2006/main">
   <p:cSld name="Slide 3">
     <p:spTree>
@@ -1710,7 +2854,7 @@
             <a:avLst/>
           </a:prstGeom>
           <a:solidFill>
-            <a:srgbClr val="F2E4CF"/>
+            <a:srgbClr val="EBF4F3"/>
           </a:solidFill>
           <a:ln/>
         </p:spPr>
@@ -1730,67 +2874,21 @@
             <a:avLst/>
           </a:prstGeom>
           <a:solidFill>
-            <a:srgbClr val="FEF5E7"/>
-          </a:solidFill>
-          <a:ln/>
-        </p:spPr>
-      </p:sp>
-      <p:pic>
-        <p:nvPicPr>
-          <p:cNvPr id="4" name="Image 0" descr="preencoded.png"/>
-          <p:cNvPicPr>
-            <a:picLocks noChangeAspect="1"/>
-          </p:cNvPicPr>
-          <p:nvPr/>
-        </p:nvPicPr>
-        <p:blipFill>
-          <a:blip r:embed="rId3"/>
-          <a:stretch>
-            <a:fillRect/>
-          </a:stretch>
-        </p:blipFill>
-        <p:spPr>
-          <a:xfrm>
-            <a:off x="0" y="0"/>
-            <a:ext cx="14630400" cy="8229600"/>
-          </a:xfrm>
-          <a:prstGeom prst="rect">
-            <a:avLst/>
-          </a:prstGeom>
-        </p:spPr>
-      </p:pic>
-      <p:sp>
-        <p:nvSpPr>
-          <p:cNvPr id="5" name="Shape 2"/>
-          <p:cNvSpPr/>
-          <p:nvPr/>
-        </p:nvSpPr>
-        <p:spPr>
-          <a:xfrm>
-            <a:off x="0" y="0"/>
-            <a:ext cx="14630400" cy="8229600"/>
-          </a:xfrm>
-          <a:prstGeom prst="rect">
-            <a:avLst/>
-          </a:prstGeom>
-          <a:solidFill>
-            <a:srgbClr val="FEF5E7">
-              <a:alpha val="85000"/>
-            </a:srgbClr>
-          </a:solidFill>
-          <a:ln/>
-        </p:spPr>
-      </p:sp>
-      <p:sp>
-        <p:nvSpPr>
-          <p:cNvPr id="6" name="Text 3"/>
-          <p:cNvSpPr/>
-          <p:nvPr/>
-        </p:nvSpPr>
-        <p:spPr>
-          <a:xfrm>
-            <a:off x="2348389" y="1656874"/>
-            <a:ext cx="5303520" cy="694373"/>
+            <a:srgbClr val="FFFFFF"/>
+          </a:solidFill>
+          <a:ln/>
+        </p:spPr>
+      </p:sp>
+      <p:sp>
+        <p:nvSpPr>
+          <p:cNvPr id="4" name="Text 2"/>
+          <p:cNvSpPr/>
+          <p:nvPr/>
+        </p:nvSpPr>
+        <p:spPr>
+          <a:xfrm>
+            <a:off x="2037993" y="2572107"/>
+            <a:ext cx="4443889" cy="694373"/>
           </a:xfrm>
           <a:prstGeom prst="rect">
             <a:avLst/>
@@ -1811,13 +2909,13 @@
             <a:r>
               <a:rPr lang="en-US" sz="4374" dirty="0">
                 <a:solidFill>
-                  <a:srgbClr val="38512F"/>
-                </a:solidFill>
-                <a:latin typeface="Lora" pitchFamily="34" charset="0"/>
-                <a:ea typeface="Lora" pitchFamily="34" charset="-122"/>
-                <a:cs typeface="Lora" pitchFamily="34" charset="-120"/>
-              </a:rPr>
-              <a:t>Управление танком</a:t>
+                  <a:srgbClr val="272D45"/>
+                </a:solidFill>
+                <a:latin typeface="Kanit" pitchFamily="34" charset="0"/>
+                <a:ea typeface="Kanit" pitchFamily="34" charset="-122"/>
+                <a:cs typeface="Kanit" pitchFamily="34" charset="-120"/>
+              </a:rPr>
+              <a:t>Графика и Звук</a:t>
             </a:r>
             <a:endParaRPr lang="en-US" sz="4374" dirty="0"/>
           </a:p>
@@ -1825,76 +2923,14 @@
       </p:sp>
       <p:sp>
         <p:nvSpPr>
-          <p:cNvPr id="7" name="Shape 4"/>
-          <p:cNvSpPr/>
-          <p:nvPr/>
-        </p:nvSpPr>
-        <p:spPr>
-          <a:xfrm>
-            <a:off x="7301270" y="2684502"/>
-            <a:ext cx="27742" cy="3888224"/>
-          </a:xfrm>
-          <a:prstGeom prst="rect">
-            <a:avLst/>
-          </a:prstGeom>
-          <a:solidFill>
-            <a:srgbClr val="38512F"/>
-          </a:solidFill>
-          <a:ln/>
-        </p:spPr>
-      </p:sp>
-      <p:sp>
-        <p:nvSpPr>
-          <p:cNvPr id="8" name="Shape 5"/>
-          <p:cNvSpPr/>
-          <p:nvPr/>
-        </p:nvSpPr>
-        <p:spPr>
-          <a:xfrm>
-            <a:off x="7565053" y="3094137"/>
-            <a:ext cx="777597" cy="27742"/>
-          </a:xfrm>
-          <a:prstGeom prst="rect">
-            <a:avLst/>
-          </a:prstGeom>
-          <a:solidFill>
-            <a:srgbClr val="38512F"/>
-          </a:solidFill>
-          <a:ln/>
-        </p:spPr>
-      </p:sp>
-      <p:sp>
-        <p:nvSpPr>
-          <p:cNvPr id="9" name="Shape 6"/>
-          <p:cNvSpPr/>
-          <p:nvPr/>
-        </p:nvSpPr>
-        <p:spPr>
-          <a:xfrm>
-            <a:off x="7065109" y="2858095"/>
-            <a:ext cx="499943" cy="499943"/>
-          </a:xfrm>
-          <a:prstGeom prst="roundRect">
-            <a:avLst>
-              <a:gd name="adj" fmla="val 13333"/>
-            </a:avLst>
-          </a:prstGeom>
-          <a:solidFill>
-            <a:srgbClr val="F6E9D5"/>
-          </a:solidFill>
-          <a:ln/>
-        </p:spPr>
-      </p:sp>
-      <p:sp>
-        <p:nvSpPr>
-          <p:cNvPr id="10" name="Text 7"/>
-          <p:cNvSpPr/>
-          <p:nvPr/>
-        </p:nvSpPr>
-        <p:spPr>
-          <a:xfrm>
-            <a:off x="7254061" y="2899767"/>
-            <a:ext cx="121920" cy="416481"/>
+          <p:cNvPr id="5" name="Text 3"/>
+          <p:cNvSpPr/>
+          <p:nvPr/>
+        </p:nvSpPr>
+        <p:spPr>
+          <a:xfrm>
+            <a:off x="2037993" y="3821906"/>
+            <a:ext cx="2221944" cy="347186"/>
           </a:xfrm>
           <a:prstGeom prst="rect">
             <a:avLst/>
@@ -1906,36 +2942,78 @@
           <a:bodyPr wrap="none" rtlCol="0" anchor="t"/>
           <a:lstStyle/>
           <a:p>
-            <a:pPr marL="0" indent="0" algn="ctr">
-              <a:lnSpc>
-                <a:spcPts val="3281"/>
-              </a:lnSpc>
-              <a:buNone/>
-            </a:pPr>
-            <a:r>
-              <a:rPr lang="en-US" sz="2624" dirty="0">
-                <a:solidFill>
-                  <a:srgbClr val="38512F"/>
-                </a:solidFill>
-                <a:latin typeface="Lora" pitchFamily="34" charset="0"/>
-                <a:ea typeface="Lora" pitchFamily="34" charset="-122"/>
-                <a:cs typeface="Lora" pitchFamily="34" charset="-120"/>
-              </a:rPr>
-              <a:t>1</a:t>
-            </a:r>
-            <a:endParaRPr lang="en-US" sz="2624" dirty="0"/>
-          </a:p>
-        </p:txBody>
-      </p:sp>
-      <p:sp>
-        <p:nvSpPr>
-          <p:cNvPr id="11" name="Text 8"/>
-          <p:cNvSpPr/>
-          <p:nvPr/>
-        </p:nvSpPr>
-        <p:spPr>
-          <a:xfrm>
-            <a:off x="8537138" y="2906673"/>
+            <a:pPr marL="0" indent="0">
+              <a:lnSpc>
+                <a:spcPts val="2734"/>
+              </a:lnSpc>
+              <a:buNone/>
+            </a:pPr>
+            <a:r>
+              <a:rPr lang="en-US" sz="2187" dirty="0">
+                <a:solidFill>
+                  <a:srgbClr val="272D45"/>
+                </a:solidFill>
+                <a:latin typeface="Kanit" pitchFamily="34" charset="0"/>
+                <a:ea typeface="Kanit" pitchFamily="34" charset="-122"/>
+                <a:cs typeface="Kanit" pitchFamily="34" charset="-120"/>
+              </a:rPr>
+              <a:t>Графика</a:t>
+            </a:r>
+            <a:endParaRPr lang="en-US" sz="2187" dirty="0"/>
+          </a:p>
+        </p:txBody>
+      </p:sp>
+      <p:sp>
+        <p:nvSpPr>
+          <p:cNvPr id="6" name="Text 4"/>
+          <p:cNvSpPr/>
+          <p:nvPr/>
+        </p:nvSpPr>
+        <p:spPr>
+          <a:xfrm>
+            <a:off x="2037993" y="4391263"/>
+            <a:ext cx="5006221" cy="1066205"/>
+          </a:xfrm>
+          <a:prstGeom prst="rect">
+            <a:avLst/>
+          </a:prstGeom>
+          <a:noFill/>
+          <a:ln/>
+        </p:spPr>
+        <p:txBody>
+          <a:bodyPr wrap="square" rtlCol="0" anchor="t"/>
+          <a:lstStyle/>
+          <a:p>
+            <a:pPr marL="0" indent="0">
+              <a:lnSpc>
+                <a:spcPts val="2799"/>
+              </a:lnSpc>
+              <a:buNone/>
+            </a:pPr>
+            <a:r>
+              <a:rPr lang="en-US" sz="1750" dirty="0">
+                <a:solidFill>
+                  <a:srgbClr val="2C3249"/>
+                </a:solidFill>
+                <a:latin typeface="Martel Sans" pitchFamily="34" charset="0"/>
+                <a:ea typeface="Martel Sans" pitchFamily="34" charset="-122"/>
+                <a:cs typeface="Martel Sans" pitchFamily="34" charset="-120"/>
+              </a:rPr>
+              <a:t>2D графика с использованием Pygame. Разнообразные спрайты для танков, препятствий, улучшений и взрывов.</a:t>
+            </a:r>
+            <a:endParaRPr lang="en-US" sz="1750" dirty="0"/>
+          </a:p>
+        </p:txBody>
+      </p:sp>
+      <p:sp>
+        <p:nvSpPr>
+          <p:cNvPr id="7" name="Text 5"/>
+          <p:cNvSpPr/>
+          <p:nvPr/>
+        </p:nvSpPr>
+        <p:spPr>
+          <a:xfrm>
+            <a:off x="7593806" y="3821906"/>
             <a:ext cx="2221944" cy="347186"/>
           </a:xfrm>
           <a:prstGeom prst="rect">
@@ -1948,7 +3026,7 @@
           <a:bodyPr wrap="none" rtlCol="0" anchor="t"/>
           <a:lstStyle/>
           <a:p>
-            <a:pPr marL="0" indent="0" algn="l">
+            <a:pPr marL="0" indent="0">
               <a:lnSpc>
                 <a:spcPts val="2734"/>
               </a:lnSpc>
@@ -1957,13 +3035,13 @@
             <a:r>
               <a:rPr lang="en-US" sz="2187" dirty="0">
                 <a:solidFill>
-                  <a:srgbClr val="38512F"/>
-                </a:solidFill>
-                <a:latin typeface="Lora" pitchFamily="34" charset="0"/>
-                <a:ea typeface="Lora" pitchFamily="34" charset="-122"/>
-                <a:cs typeface="Lora" pitchFamily="34" charset="-120"/>
-              </a:rPr>
-              <a:t>Движение</a:t>
+                  <a:srgbClr val="272D45"/>
+                </a:solidFill>
+                <a:latin typeface="Kanit" pitchFamily="34" charset="0"/>
+                <a:ea typeface="Kanit" pitchFamily="34" charset="-122"/>
+                <a:cs typeface="Kanit" pitchFamily="34" charset="-120"/>
+              </a:rPr>
+              <a:t>Звук</a:t>
             </a:r>
             <a:endParaRPr lang="en-US" sz="2187" dirty="0"/>
           </a:p>
@@ -1971,14 +3049,14 @@
       </p:sp>
       <p:sp>
         <p:nvSpPr>
-          <p:cNvPr id="12" name="Text 9"/>
-          <p:cNvSpPr/>
-          <p:nvPr/>
-        </p:nvSpPr>
-        <p:spPr>
-          <a:xfrm>
-            <a:off x="8537138" y="3387090"/>
-            <a:ext cx="3744754" cy="710803"/>
+          <p:cNvPr id="8" name="Text 6"/>
+          <p:cNvSpPr/>
+          <p:nvPr/>
+        </p:nvSpPr>
+        <p:spPr>
+          <a:xfrm>
+            <a:off x="7593806" y="4391263"/>
+            <a:ext cx="5006221" cy="710803"/>
           </a:xfrm>
           <a:prstGeom prst="rect">
             <a:avLst/>
@@ -1990,7 +3068,7 @@
           <a:bodyPr wrap="square" rtlCol="0" anchor="t"/>
           <a:lstStyle/>
           <a:p>
-            <a:pPr marL="0" indent="0" algn="l">
+            <a:pPr marL="0" indent="0">
               <a:lnSpc>
                 <a:spcPts val="2799"/>
               </a:lnSpc>
@@ -1999,347 +3077,13 @@
             <a:r>
               <a:rPr lang="en-US" sz="1750" dirty="0">
                 <a:solidFill>
-                  <a:srgbClr val="3A3630"/>
-                </a:solidFill>
-                <a:latin typeface="Source Sans Pro" pitchFamily="34" charset="0"/>
-                <a:ea typeface="Source Sans Pro" pitchFamily="34" charset="-122"/>
-                <a:cs typeface="Source Sans Pro" pitchFamily="34" charset="-120"/>
-              </a:rPr>
-              <a:t>Управляйте танком при помощи стрелочек на клавиатуре или WASD</a:t>
-            </a:r>
-            <a:endParaRPr lang="en-US" sz="1750" dirty="0"/>
-          </a:p>
-        </p:txBody>
-      </p:sp>
-      <p:sp>
-        <p:nvSpPr>
-          <p:cNvPr id="13" name="Shape 10"/>
-          <p:cNvSpPr/>
-          <p:nvPr/>
-        </p:nvSpPr>
-        <p:spPr>
-          <a:xfrm>
-            <a:off x="6287512" y="4204990"/>
-            <a:ext cx="777597" cy="27742"/>
-          </a:xfrm>
-          <a:prstGeom prst="rect">
-            <a:avLst/>
-          </a:prstGeom>
-          <a:solidFill>
-            <a:srgbClr val="38512F"/>
-          </a:solidFill>
-          <a:ln/>
-        </p:spPr>
-      </p:sp>
-      <p:sp>
-        <p:nvSpPr>
-          <p:cNvPr id="14" name="Shape 11"/>
-          <p:cNvSpPr/>
-          <p:nvPr/>
-        </p:nvSpPr>
-        <p:spPr>
-          <a:xfrm>
-            <a:off x="7065109" y="3968948"/>
-            <a:ext cx="499943" cy="499943"/>
-          </a:xfrm>
-          <a:prstGeom prst="roundRect">
-            <a:avLst>
-              <a:gd name="adj" fmla="val 13333"/>
-            </a:avLst>
-          </a:prstGeom>
-          <a:solidFill>
-            <a:srgbClr val="F6E9D5"/>
-          </a:solidFill>
-          <a:ln/>
-        </p:spPr>
-      </p:sp>
-      <p:sp>
-        <p:nvSpPr>
-          <p:cNvPr id="15" name="Text 12"/>
-          <p:cNvSpPr/>
-          <p:nvPr/>
-        </p:nvSpPr>
-        <p:spPr>
-          <a:xfrm>
-            <a:off x="7227391" y="4010620"/>
-            <a:ext cx="175260" cy="416481"/>
-          </a:xfrm>
-          <a:prstGeom prst="rect">
-            <a:avLst/>
-          </a:prstGeom>
-          <a:noFill/>
-          <a:ln/>
-        </p:spPr>
-        <p:txBody>
-          <a:bodyPr wrap="none" rtlCol="0" anchor="t"/>
-          <a:lstStyle/>
-          <a:p>
-            <a:pPr marL="0" indent="0" algn="ctr">
-              <a:lnSpc>
-                <a:spcPts val="3281"/>
-              </a:lnSpc>
-              <a:buNone/>
-            </a:pPr>
-            <a:r>
-              <a:rPr lang="en-US" sz="2624" dirty="0">
-                <a:solidFill>
-                  <a:srgbClr val="38512F"/>
-                </a:solidFill>
-                <a:latin typeface="Lora" pitchFamily="34" charset="0"/>
-                <a:ea typeface="Lora" pitchFamily="34" charset="-122"/>
-                <a:cs typeface="Lora" pitchFamily="34" charset="-120"/>
-              </a:rPr>
-              <a:t>2</a:t>
-            </a:r>
-            <a:endParaRPr lang="en-US" sz="2624" dirty="0"/>
-          </a:p>
-        </p:txBody>
-      </p:sp>
-      <p:sp>
-        <p:nvSpPr>
-          <p:cNvPr id="16" name="Text 13"/>
-          <p:cNvSpPr/>
-          <p:nvPr/>
-        </p:nvSpPr>
-        <p:spPr>
-          <a:xfrm>
-            <a:off x="3871079" y="4017526"/>
-            <a:ext cx="2221944" cy="347186"/>
-          </a:xfrm>
-          <a:prstGeom prst="rect">
-            <a:avLst/>
-          </a:prstGeom>
-          <a:noFill/>
-          <a:ln/>
-        </p:spPr>
-        <p:txBody>
-          <a:bodyPr wrap="none" rtlCol="0" anchor="t"/>
-          <a:lstStyle/>
-          <a:p>
-            <a:pPr marL="0" indent="0" algn="r">
-              <a:lnSpc>
-                <a:spcPts val="2734"/>
-              </a:lnSpc>
-              <a:buNone/>
-            </a:pPr>
-            <a:r>
-              <a:rPr lang="en-US" sz="2187" dirty="0">
-                <a:solidFill>
-                  <a:srgbClr val="38512F"/>
-                </a:solidFill>
-                <a:latin typeface="Lora" pitchFamily="34" charset="0"/>
-                <a:ea typeface="Lora" pitchFamily="34" charset="-122"/>
-                <a:cs typeface="Lora" pitchFamily="34" charset="-120"/>
-              </a:rPr>
-              <a:t>Стрельба</a:t>
-            </a:r>
-            <a:endParaRPr lang="en-US" sz="2187" dirty="0"/>
-          </a:p>
-        </p:txBody>
-      </p:sp>
-      <p:sp>
-        <p:nvSpPr>
-          <p:cNvPr id="17" name="Text 14"/>
-          <p:cNvSpPr/>
-          <p:nvPr/>
-        </p:nvSpPr>
-        <p:spPr>
-          <a:xfrm>
-            <a:off x="2348389" y="4497943"/>
-            <a:ext cx="3744635" cy="355402"/>
-          </a:xfrm>
-          <a:prstGeom prst="rect">
-            <a:avLst/>
-          </a:prstGeom>
-          <a:noFill/>
-          <a:ln/>
-        </p:spPr>
-        <p:txBody>
-          <a:bodyPr wrap="none" rtlCol="0" anchor="t"/>
-          <a:lstStyle/>
-          <a:p>
-            <a:pPr marL="0" indent="0" algn="r">
-              <a:lnSpc>
-                <a:spcPts val="2799"/>
-              </a:lnSpc>
-              <a:buNone/>
-            </a:pPr>
-            <a:r>
-              <a:rPr lang="en-US" sz="1750" dirty="0">
-                <a:solidFill>
-                  <a:srgbClr val="3A3630"/>
-                </a:solidFill>
-                <a:latin typeface="Source Sans Pro" pitchFamily="34" charset="0"/>
-                <a:ea typeface="Source Sans Pro" pitchFamily="34" charset="-122"/>
-                <a:cs typeface="Source Sans Pro" pitchFamily="34" charset="-120"/>
-              </a:rPr>
-              <a:t>Используйте ЛКМ для стрельбы.</a:t>
-            </a:r>
-            <a:endParaRPr lang="en-US" sz="1750" dirty="0"/>
-          </a:p>
-        </p:txBody>
-      </p:sp>
-      <p:sp>
-        <p:nvSpPr>
-          <p:cNvPr id="18" name="Shape 15"/>
-          <p:cNvSpPr/>
-          <p:nvPr/>
-        </p:nvSpPr>
-        <p:spPr>
-          <a:xfrm>
-            <a:off x="7565053" y="5204758"/>
-            <a:ext cx="777597" cy="27742"/>
-          </a:xfrm>
-          <a:prstGeom prst="rect">
-            <a:avLst/>
-          </a:prstGeom>
-          <a:solidFill>
-            <a:srgbClr val="38512F"/>
-          </a:solidFill>
-          <a:ln/>
-        </p:spPr>
-      </p:sp>
-      <p:sp>
-        <p:nvSpPr>
-          <p:cNvPr id="19" name="Shape 16"/>
-          <p:cNvSpPr/>
-          <p:nvPr/>
-        </p:nvSpPr>
-        <p:spPr>
-          <a:xfrm>
-            <a:off x="7065109" y="4968716"/>
-            <a:ext cx="499943" cy="499943"/>
-          </a:xfrm>
-          <a:prstGeom prst="roundRect">
-            <a:avLst>
-              <a:gd name="adj" fmla="val 13333"/>
-            </a:avLst>
-          </a:prstGeom>
-          <a:solidFill>
-            <a:srgbClr val="F6E9D5"/>
-          </a:solidFill>
-          <a:ln/>
-        </p:spPr>
-      </p:sp>
-      <p:sp>
-        <p:nvSpPr>
-          <p:cNvPr id="20" name="Text 17"/>
-          <p:cNvSpPr/>
-          <p:nvPr/>
-        </p:nvSpPr>
-        <p:spPr>
-          <a:xfrm>
-            <a:off x="7223581" y="5010388"/>
-            <a:ext cx="182880" cy="416481"/>
-          </a:xfrm>
-          <a:prstGeom prst="rect">
-            <a:avLst/>
-          </a:prstGeom>
-          <a:noFill/>
-          <a:ln/>
-        </p:spPr>
-        <p:txBody>
-          <a:bodyPr wrap="none" rtlCol="0" anchor="t"/>
-          <a:lstStyle/>
-          <a:p>
-            <a:pPr marL="0" indent="0" algn="ctr">
-              <a:lnSpc>
-                <a:spcPts val="3281"/>
-              </a:lnSpc>
-              <a:buNone/>
-            </a:pPr>
-            <a:r>
-              <a:rPr lang="en-US" sz="2624" dirty="0">
-                <a:solidFill>
-                  <a:srgbClr val="38512F"/>
-                </a:solidFill>
-                <a:latin typeface="Lora" pitchFamily="34" charset="0"/>
-                <a:ea typeface="Lora" pitchFamily="34" charset="-122"/>
-                <a:cs typeface="Lora" pitchFamily="34" charset="-120"/>
-              </a:rPr>
-              <a:t>3</a:t>
-            </a:r>
-            <a:endParaRPr lang="en-US" sz="2624" dirty="0"/>
-          </a:p>
-        </p:txBody>
-      </p:sp>
-      <p:sp>
-        <p:nvSpPr>
-          <p:cNvPr id="21" name="Text 18"/>
-          <p:cNvSpPr/>
-          <p:nvPr/>
-        </p:nvSpPr>
-        <p:spPr>
-          <a:xfrm>
-            <a:off x="8537138" y="5017294"/>
-            <a:ext cx="2221944" cy="347186"/>
-          </a:xfrm>
-          <a:prstGeom prst="rect">
-            <a:avLst/>
-          </a:prstGeom>
-          <a:noFill/>
-          <a:ln/>
-        </p:spPr>
-        <p:txBody>
-          <a:bodyPr wrap="none" rtlCol="0" anchor="t"/>
-          <a:lstStyle/>
-          <a:p>
-            <a:pPr marL="0" indent="0" algn="l">
-              <a:lnSpc>
-                <a:spcPts val="2734"/>
-              </a:lnSpc>
-              <a:buNone/>
-            </a:pPr>
-            <a:r>
-              <a:rPr lang="ru-RU" sz="2187" dirty="0">
-                <a:solidFill>
-                  <a:srgbClr val="38512F"/>
-                </a:solidFill>
-                <a:ea typeface="Lora" pitchFamily="34" charset="-122"/>
-              </a:rPr>
-              <a:t>Оружие</a:t>
-            </a:r>
-            <a:endParaRPr lang="en-US" sz="2187" dirty="0"/>
-          </a:p>
-        </p:txBody>
-      </p:sp>
-      <p:sp>
-        <p:nvSpPr>
-          <p:cNvPr id="22" name="Text 19"/>
-          <p:cNvSpPr/>
-          <p:nvPr/>
-        </p:nvSpPr>
-        <p:spPr>
-          <a:xfrm>
-            <a:off x="8537138" y="5497711"/>
-            <a:ext cx="3744754" cy="710803"/>
-          </a:xfrm>
-          <a:prstGeom prst="rect">
-            <a:avLst/>
-          </a:prstGeom>
-          <a:noFill/>
-          <a:ln/>
-        </p:spPr>
-        <p:txBody>
-          <a:bodyPr wrap="square" rtlCol="0" anchor="t"/>
-          <a:lstStyle/>
-          <a:p>
-            <a:pPr marL="0" indent="0" algn="l">
-              <a:lnSpc>
-                <a:spcPts val="2799"/>
-              </a:lnSpc>
-              <a:buNone/>
-            </a:pPr>
-            <a:r>
-              <a:rPr lang="en-US" sz="1750" dirty="0">
-                <a:solidFill>
-                  <a:srgbClr val="3A3630"/>
-                </a:solidFill>
-                <a:latin typeface="Source Sans Pro" pitchFamily="34" charset="0"/>
-                <a:ea typeface="Source Sans Pro" pitchFamily="34" charset="-122"/>
-                <a:cs typeface="Source Sans Pro" pitchFamily="34" charset="-120"/>
-              </a:rPr>
-              <a:t>Игра содержит различное оружие, которое разнообразит прохождение.</a:t>
+                  <a:srgbClr val="2C3249"/>
+                </a:solidFill>
+                <a:latin typeface="Martel Sans" pitchFamily="34" charset="0"/>
+                <a:ea typeface="Martel Sans" pitchFamily="34" charset="-122"/>
+                <a:cs typeface="Martel Sans" pitchFamily="34" charset="-120"/>
+              </a:rPr>
+              <a:t>Фоновая музыка и звуковые эффекты для выстрелов, взрывов и других событий.</a:t>
             </a:r>
             <a:endParaRPr lang="en-US" sz="1750" dirty="0"/>
           </a:p>
@@ -2353,7 +3097,7 @@
 </p:sld>
 </file>
 
-<file path=ppt/slides/slide4.xml><?xml version="1.0" encoding="utf-8"?>
+<file path=ppt/slides/slide5.xml><?xml version="1.0" encoding="utf-8"?>
 <p:sld xmlns:a="http://schemas.openxmlformats.org/drawingml/2006/main" xmlns:r="http://schemas.openxmlformats.org/officeDocument/2006/relationships" xmlns:p="http://schemas.openxmlformats.org/presentationml/2006/main">
   <p:cSld name="Slide 4">
     <p:spTree>
@@ -2385,7 +3129,7 @@
             <a:avLst/>
           </a:prstGeom>
           <a:solidFill>
-            <a:srgbClr val="F2E4CF"/>
+            <a:srgbClr val="EBF4F3"/>
           </a:solidFill>
           <a:ln/>
         </p:spPr>
@@ -2405,45 +3149,21 @@
             <a:avLst/>
           </a:prstGeom>
           <a:solidFill>
-            <a:srgbClr val="FEF5E7"/>
-          </a:solidFill>
-          <a:ln/>
-        </p:spPr>
-      </p:sp>
-      <p:pic>
-        <p:nvPicPr>
-          <p:cNvPr id="4" name="Image 0" descr="preencoded.png"/>
-          <p:cNvPicPr>
-            <a:picLocks noChangeAspect="1"/>
-          </p:cNvPicPr>
-          <p:nvPr/>
-        </p:nvPicPr>
-        <p:blipFill>
-          <a:blip r:embed="rId3"/>
-          <a:stretch>
-            <a:fillRect/>
-          </a:stretch>
-        </p:blipFill>
-        <p:spPr>
-          <a:xfrm>
-            <a:off x="0" y="0"/>
-            <a:ext cx="3657600" cy="8229600"/>
-          </a:xfrm>
-          <a:prstGeom prst="rect">
-            <a:avLst/>
-          </a:prstGeom>
-        </p:spPr>
-      </p:pic>
-      <p:sp>
-        <p:nvSpPr>
-          <p:cNvPr id="5" name="Text 2"/>
-          <p:cNvSpPr/>
-          <p:nvPr/>
-        </p:nvSpPr>
-        <p:spPr>
-          <a:xfrm>
-            <a:off x="4490799" y="1871067"/>
-            <a:ext cx="4443889" cy="694373"/>
+            <a:srgbClr val="FFFFFF"/>
+          </a:solidFill>
+          <a:ln/>
+        </p:spPr>
+      </p:sp>
+      <p:sp>
+        <p:nvSpPr>
+          <p:cNvPr id="4" name="Text 2"/>
+          <p:cNvSpPr/>
+          <p:nvPr/>
+        </p:nvSpPr>
+        <p:spPr>
+          <a:xfrm>
+            <a:off x="2037993" y="2572107"/>
+            <a:ext cx="5074920" cy="694373"/>
           </a:xfrm>
           <a:prstGeom prst="rect">
             <a:avLst/>
@@ -2464,13 +3184,13 @@
             <a:r>
               <a:rPr lang="en-US" sz="4374" dirty="0">
                 <a:solidFill>
-                  <a:srgbClr val="38512F"/>
-                </a:solidFill>
-                <a:latin typeface="Lora" pitchFamily="34" charset="0"/>
-                <a:ea typeface="Lora" pitchFamily="34" charset="-122"/>
-                <a:cs typeface="Lora" pitchFamily="34" charset="-120"/>
-              </a:rPr>
-              <a:t>Враги</a:t>
+                  <a:srgbClr val="272D45"/>
+                </a:solidFill>
+                <a:latin typeface="Kanit" pitchFamily="34" charset="0"/>
+                <a:ea typeface="Kanit" pitchFamily="34" charset="-122"/>
+                <a:cs typeface="Kanit" pitchFamily="34" charset="-120"/>
+              </a:rPr>
+              <a:t>Меню и Интерфейс</a:t>
             </a:r>
             <a:endParaRPr lang="en-US" sz="4374" dirty="0"/>
           </a:p>
@@ -2478,36 +3198,14 @@
       </p:sp>
       <p:sp>
         <p:nvSpPr>
-          <p:cNvPr id="6" name="Shape 3"/>
-          <p:cNvSpPr/>
-          <p:nvPr/>
-        </p:nvSpPr>
-        <p:spPr>
-          <a:xfrm>
-            <a:off x="4490799" y="3072289"/>
-            <a:ext cx="499943" cy="499943"/>
-          </a:xfrm>
-          <a:prstGeom prst="roundRect">
-            <a:avLst>
-              <a:gd name="adj" fmla="val 13333"/>
-            </a:avLst>
-          </a:prstGeom>
-          <a:solidFill>
-            <a:srgbClr val="F6E9D5"/>
-          </a:solidFill>
-          <a:ln/>
-        </p:spPr>
-      </p:sp>
-      <p:sp>
-        <p:nvSpPr>
-          <p:cNvPr id="7" name="Text 4"/>
-          <p:cNvSpPr/>
-          <p:nvPr/>
-        </p:nvSpPr>
-        <p:spPr>
-          <a:xfrm>
-            <a:off x="4679752" y="3113961"/>
-            <a:ext cx="121920" cy="416481"/>
+          <p:cNvPr id="5" name="Text 3"/>
+          <p:cNvSpPr/>
+          <p:nvPr/>
+        </p:nvSpPr>
+        <p:spPr>
+          <a:xfrm>
+            <a:off x="2037993" y="3821906"/>
+            <a:ext cx="2221944" cy="347186"/>
           </a:xfrm>
           <a:prstGeom prst="rect">
             <a:avLst/>
@@ -2519,37 +3217,37 @@
           <a:bodyPr wrap="none" rtlCol="0" anchor="t"/>
           <a:lstStyle/>
           <a:p>
-            <a:pPr marL="0" indent="0" algn="ctr">
-              <a:lnSpc>
-                <a:spcPts val="3281"/>
-              </a:lnSpc>
-              <a:buNone/>
-            </a:pPr>
-            <a:r>
-              <a:rPr lang="en-US" sz="2624" dirty="0">
-                <a:solidFill>
-                  <a:srgbClr val="38512F"/>
-                </a:solidFill>
-                <a:latin typeface="Lora" pitchFamily="34" charset="0"/>
-                <a:ea typeface="Lora" pitchFamily="34" charset="-122"/>
-                <a:cs typeface="Lora" pitchFamily="34" charset="-120"/>
-              </a:rPr>
-              <a:t>1</a:t>
-            </a:r>
-            <a:endParaRPr lang="en-US" sz="2624" dirty="0"/>
-          </a:p>
-        </p:txBody>
-      </p:sp>
-      <p:sp>
-        <p:nvSpPr>
-          <p:cNvPr id="8" name="Text 5"/>
-          <p:cNvSpPr/>
-          <p:nvPr/>
-        </p:nvSpPr>
-        <p:spPr>
-          <a:xfrm>
-            <a:off x="5212913" y="3148608"/>
-            <a:ext cx="2221944" cy="347186"/>
+            <a:pPr marL="0" indent="0">
+              <a:lnSpc>
+                <a:spcPts val="2734"/>
+              </a:lnSpc>
+              <a:buNone/>
+            </a:pPr>
+            <a:r>
+              <a:rPr lang="en-US" sz="2187" dirty="0">
+                <a:solidFill>
+                  <a:srgbClr val="272D45"/>
+                </a:solidFill>
+                <a:latin typeface="Kanit" pitchFamily="34" charset="0"/>
+                <a:ea typeface="Kanit" pitchFamily="34" charset="-122"/>
+                <a:cs typeface="Kanit" pitchFamily="34" charset="-120"/>
+              </a:rPr>
+              <a:t>Стартовое меню</a:t>
+            </a:r>
+            <a:endParaRPr lang="en-US" sz="2187" dirty="0"/>
+          </a:p>
+        </p:txBody>
+      </p:sp>
+      <p:sp>
+        <p:nvSpPr>
+          <p:cNvPr id="6" name="Text 4"/>
+          <p:cNvSpPr/>
+          <p:nvPr/>
+        </p:nvSpPr>
+        <p:spPr>
+          <a:xfrm>
+            <a:off x="2037993" y="4391263"/>
+            <a:ext cx="5006221" cy="355402"/>
           </a:xfrm>
           <a:prstGeom prst="rect">
             <a:avLst/>
@@ -2563,6 +3261,48 @@
           <a:p>
             <a:pPr marL="0" indent="0">
               <a:lnSpc>
+                <a:spcPts val="2799"/>
+              </a:lnSpc>
+              <a:buNone/>
+            </a:pPr>
+            <a:r>
+              <a:rPr lang="en-US" sz="1750" dirty="0">
+                <a:solidFill>
+                  <a:srgbClr val="2C3249"/>
+                </a:solidFill>
+                <a:latin typeface="Martel Sans" pitchFamily="34" charset="0"/>
+                <a:ea typeface="Martel Sans" pitchFamily="34" charset="-122"/>
+                <a:cs typeface="Martel Sans" pitchFamily="34" charset="-120"/>
+              </a:rPr>
+              <a:t>Новая игра, Продолжить, Настройки, Выход.</a:t>
+            </a:r>
+            <a:endParaRPr lang="en-US" sz="1750" dirty="0"/>
+          </a:p>
+        </p:txBody>
+      </p:sp>
+      <p:sp>
+        <p:nvSpPr>
+          <p:cNvPr id="7" name="Text 5"/>
+          <p:cNvSpPr/>
+          <p:nvPr/>
+        </p:nvSpPr>
+        <p:spPr>
+          <a:xfrm>
+            <a:off x="7593806" y="3821906"/>
+            <a:ext cx="2301240" cy="347186"/>
+          </a:xfrm>
+          <a:prstGeom prst="rect">
+            <a:avLst/>
+          </a:prstGeom>
+          <a:noFill/>
+          <a:ln/>
+        </p:spPr>
+        <p:txBody>
+          <a:bodyPr wrap="none" rtlCol="0" anchor="t"/>
+          <a:lstStyle/>
+          <a:p>
+            <a:pPr marL="0" indent="0">
+              <a:lnSpc>
                 <a:spcPts val="2734"/>
               </a:lnSpc>
               <a:buNone/>
@@ -2570,13 +3310,13 @@
             <a:r>
               <a:rPr lang="en-US" sz="2187" dirty="0">
                 <a:solidFill>
-                  <a:srgbClr val="38512F"/>
-                </a:solidFill>
-                <a:latin typeface="Lora" pitchFamily="34" charset="0"/>
-                <a:ea typeface="Lora" pitchFamily="34" charset="-122"/>
-                <a:cs typeface="Lora" pitchFamily="34" charset="-120"/>
-              </a:rPr>
-              <a:t>Танки</a:t>
+                  <a:srgbClr val="272D45"/>
+                </a:solidFill>
+                <a:latin typeface="Kanit" pitchFamily="34" charset="0"/>
+                <a:ea typeface="Kanit" pitchFamily="34" charset="-122"/>
+                <a:cs typeface="Kanit" pitchFamily="34" charset="-120"/>
+              </a:rPr>
+              <a:t>Интерфейс в игре</a:t>
             </a:r>
             <a:endParaRPr lang="en-US" sz="2187" dirty="0"/>
           </a:p>
@@ -2584,14 +3324,14 @@
       </p:sp>
       <p:sp>
         <p:nvSpPr>
-          <p:cNvPr id="9" name="Text 6"/>
-          <p:cNvSpPr/>
-          <p:nvPr/>
-        </p:nvSpPr>
-        <p:spPr>
-          <a:xfrm>
-            <a:off x="5212913" y="3629025"/>
-            <a:ext cx="3820001" cy="710803"/>
+          <p:cNvPr id="8" name="Text 6"/>
+          <p:cNvSpPr/>
+          <p:nvPr/>
+        </p:nvSpPr>
+        <p:spPr>
+          <a:xfrm>
+            <a:off x="7593806" y="4391263"/>
+            <a:ext cx="5006221" cy="1066205"/>
           </a:xfrm>
           <a:prstGeom prst="rect">
             <a:avLst/>
@@ -2612,668 +3352,112 @@
             <a:r>
               <a:rPr lang="en-US" sz="1750" dirty="0">
                 <a:solidFill>
-                  <a:srgbClr val="3A3630"/>
-                </a:solidFill>
-                <a:latin typeface="Source Sans Pro" pitchFamily="34" charset="0"/>
-                <a:ea typeface="Source Sans Pro" pitchFamily="34" charset="-122"/>
-                <a:cs typeface="Source Sans Pro" pitchFamily="34" charset="-120"/>
-              </a:rPr>
-              <a:t>Обычные вражеские танки, которые будут пытаться вас уничтожить.</a:t>
-            </a:r>
-            <a:endParaRPr lang="en-US" sz="1750" dirty="0"/>
-          </a:p>
-        </p:txBody>
-      </p:sp>
-      <p:sp>
-        <p:nvSpPr>
-          <p:cNvPr id="10" name="Shape 7"/>
-          <p:cNvSpPr/>
-          <p:nvPr/>
-        </p:nvSpPr>
-        <p:spPr>
-          <a:xfrm>
-            <a:off x="9255085" y="3072289"/>
-            <a:ext cx="499943" cy="499943"/>
-          </a:xfrm>
-          <a:prstGeom prst="roundRect">
-            <a:avLst>
-              <a:gd name="adj" fmla="val 13333"/>
-            </a:avLst>
-          </a:prstGeom>
-          <a:solidFill>
-            <a:srgbClr val="F6E9D5"/>
-          </a:solidFill>
-          <a:ln/>
-        </p:spPr>
-      </p:sp>
-      <p:sp>
-        <p:nvSpPr>
-          <p:cNvPr id="11" name="Text 8"/>
-          <p:cNvSpPr/>
-          <p:nvPr/>
-        </p:nvSpPr>
-        <p:spPr>
-          <a:xfrm>
-            <a:off x="9417368" y="3113961"/>
-            <a:ext cx="175260" cy="416481"/>
-          </a:xfrm>
-          <a:prstGeom prst="rect">
-            <a:avLst/>
-          </a:prstGeom>
-          <a:noFill/>
-          <a:ln/>
-        </p:spPr>
-        <p:txBody>
-          <a:bodyPr wrap="none" rtlCol="0" anchor="t"/>
-          <a:lstStyle/>
-          <a:p>
-            <a:pPr marL="0" indent="0" algn="ctr">
-              <a:lnSpc>
-                <a:spcPts val="3281"/>
-              </a:lnSpc>
-              <a:buNone/>
-            </a:pPr>
-            <a:r>
-              <a:rPr lang="en-US" sz="2624" dirty="0">
-                <a:solidFill>
-                  <a:srgbClr val="38512F"/>
-                </a:solidFill>
-                <a:latin typeface="Lora" pitchFamily="34" charset="0"/>
-                <a:ea typeface="Lora" pitchFamily="34" charset="-122"/>
-                <a:cs typeface="Lora" pitchFamily="34" charset="-120"/>
-              </a:rPr>
-              <a:t>2</a:t>
-            </a:r>
-            <a:endParaRPr lang="en-US" sz="2624" dirty="0"/>
-          </a:p>
-        </p:txBody>
-      </p:sp>
-      <p:sp>
-        <p:nvSpPr>
-          <p:cNvPr id="12" name="Text 9"/>
-          <p:cNvSpPr/>
-          <p:nvPr/>
-        </p:nvSpPr>
-        <p:spPr>
-          <a:xfrm>
-            <a:off x="9977199" y="3148608"/>
-            <a:ext cx="2221944" cy="347186"/>
-          </a:xfrm>
-          <a:prstGeom prst="rect">
-            <a:avLst/>
-          </a:prstGeom>
-          <a:noFill/>
-          <a:ln/>
-        </p:spPr>
-        <p:txBody>
-          <a:bodyPr wrap="none" rtlCol="0" anchor="t"/>
-          <a:lstStyle/>
-          <a:p>
-            <a:pPr marL="0" indent="0">
-              <a:lnSpc>
-                <a:spcPts val="2734"/>
-              </a:lnSpc>
-              <a:buNone/>
-            </a:pPr>
-            <a:r>
-              <a:rPr lang="en-US" sz="2187" dirty="0">
-                <a:solidFill>
-                  <a:srgbClr val="38512F"/>
-                </a:solidFill>
-                <a:latin typeface="Lora" pitchFamily="34" charset="0"/>
-                <a:ea typeface="Lora" pitchFamily="34" charset="-122"/>
-                <a:cs typeface="Lora" pitchFamily="34" charset="-120"/>
-              </a:rPr>
-              <a:t>Боссы</a:t>
-            </a:r>
-            <a:endParaRPr lang="en-US" sz="2187" dirty="0"/>
-          </a:p>
-        </p:txBody>
-      </p:sp>
-      <p:sp>
-        <p:nvSpPr>
-          <p:cNvPr id="13" name="Text 10"/>
-          <p:cNvSpPr/>
-          <p:nvPr/>
-        </p:nvSpPr>
-        <p:spPr>
-          <a:xfrm>
-            <a:off x="9977199" y="3629025"/>
-            <a:ext cx="3820001" cy="1066205"/>
-          </a:xfrm>
-          <a:prstGeom prst="rect">
-            <a:avLst/>
-          </a:prstGeom>
-          <a:noFill/>
-          <a:ln/>
-        </p:spPr>
-        <p:txBody>
-          <a:bodyPr wrap="square" rtlCol="0" anchor="t"/>
-          <a:lstStyle/>
-          <a:p>
-            <a:pPr marL="0" indent="0">
-              <a:lnSpc>
-                <a:spcPts val="2799"/>
-              </a:lnSpc>
-              <a:buNone/>
-            </a:pPr>
+                  <a:srgbClr val="2C3249"/>
+                </a:solidFill>
+                <a:latin typeface="Martel Sans" pitchFamily="34" charset="0"/>
+                <a:ea typeface="Martel Sans" pitchFamily="34" charset="-122"/>
+                <a:cs typeface="Martel Sans" pitchFamily="34" charset="-120"/>
+              </a:rPr>
+              <a:t>Отображение текущего счета, </a:t>
+            </a:r>
+            <a:r>
+              <a:rPr lang="en-US" sz="1750" dirty="0" err="1">
+                <a:solidFill>
+                  <a:srgbClr val="2C3249"/>
+                </a:solidFill>
+                <a:latin typeface="Martel Sans" pitchFamily="34" charset="0"/>
+                <a:ea typeface="Martel Sans" pitchFamily="34" charset="-122"/>
+                <a:cs typeface="Martel Sans" pitchFamily="34" charset="-120"/>
+              </a:rPr>
+              <a:t>количества</a:t>
+            </a:r>
             <a:r>
               <a:rPr lang="en-US" sz="1750" dirty="0">
                 <a:solidFill>
-                  <a:srgbClr val="3A3630"/>
-                </a:solidFill>
-                <a:latin typeface="Source Sans Pro" pitchFamily="34" charset="0"/>
-                <a:ea typeface="Source Sans Pro" pitchFamily="34" charset="-122"/>
-                <a:cs typeface="Source Sans Pro" pitchFamily="34" charset="-120"/>
-              </a:rPr>
-              <a:t>Некоторые уровни будут содержать босса, которого нужно убить, чтобы продвинуться дальше.</a:t>
-            </a:r>
-            <a:endParaRPr lang="en-US" sz="1750" dirty="0"/>
-          </a:p>
-        </p:txBody>
-      </p:sp>
-      <p:sp>
-        <p:nvSpPr>
-          <p:cNvPr id="14" name="Shape 11"/>
-          <p:cNvSpPr/>
-          <p:nvPr/>
-        </p:nvSpPr>
-        <p:spPr>
-          <a:xfrm>
-            <a:off x="4490799" y="5090993"/>
-            <a:ext cx="499943" cy="499943"/>
-          </a:xfrm>
-          <a:prstGeom prst="roundRect">
-            <a:avLst>
-              <a:gd name="adj" fmla="val 13333"/>
-            </a:avLst>
-          </a:prstGeom>
-          <a:solidFill>
-            <a:srgbClr val="F6E9D5"/>
-          </a:solidFill>
-          <a:ln/>
-        </p:spPr>
-      </p:sp>
-      <p:sp>
-        <p:nvSpPr>
-          <p:cNvPr id="15" name="Text 12"/>
-          <p:cNvSpPr/>
-          <p:nvPr/>
-        </p:nvSpPr>
-        <p:spPr>
-          <a:xfrm>
-            <a:off x="4649272" y="5132665"/>
-            <a:ext cx="182880" cy="416481"/>
-          </a:xfrm>
-          <a:prstGeom prst="rect">
-            <a:avLst/>
-          </a:prstGeom>
-          <a:noFill/>
-          <a:ln/>
-        </p:spPr>
-        <p:txBody>
-          <a:bodyPr wrap="none" rtlCol="0" anchor="t"/>
-          <a:lstStyle/>
-          <a:p>
-            <a:pPr marL="0" indent="0" algn="ctr">
-              <a:lnSpc>
-                <a:spcPts val="3281"/>
-              </a:lnSpc>
-              <a:buNone/>
-            </a:pPr>
-            <a:r>
-              <a:rPr lang="en-US" sz="2624" dirty="0">
-                <a:solidFill>
-                  <a:srgbClr val="38512F"/>
-                </a:solidFill>
-                <a:latin typeface="Lora" pitchFamily="34" charset="0"/>
-                <a:ea typeface="Lora" pitchFamily="34" charset="-122"/>
-                <a:cs typeface="Lora" pitchFamily="34" charset="-120"/>
-              </a:rPr>
-              <a:t>3</a:t>
-            </a:r>
-            <a:endParaRPr lang="en-US" sz="2624" dirty="0"/>
-          </a:p>
-        </p:txBody>
-      </p:sp>
-      <p:sp>
-        <p:nvSpPr>
-          <p:cNvPr id="16" name="Text 13"/>
-          <p:cNvSpPr/>
-          <p:nvPr/>
-        </p:nvSpPr>
-        <p:spPr>
-          <a:xfrm>
-            <a:off x="5212913" y="5167313"/>
-            <a:ext cx="2221944" cy="347186"/>
-          </a:xfrm>
-          <a:prstGeom prst="rect">
-            <a:avLst/>
-          </a:prstGeom>
-          <a:noFill/>
-          <a:ln/>
-        </p:spPr>
-        <p:txBody>
-          <a:bodyPr wrap="none" rtlCol="0" anchor="t"/>
-          <a:lstStyle/>
-          <a:p>
-            <a:pPr marL="0" indent="0">
-              <a:lnSpc>
-                <a:spcPts val="2734"/>
-              </a:lnSpc>
-              <a:buNone/>
-            </a:pPr>
-            <a:r>
-              <a:rPr lang="en-US" sz="2187" dirty="0">
-                <a:solidFill>
-                  <a:srgbClr val="38512F"/>
-                </a:solidFill>
-                <a:latin typeface="Lora" pitchFamily="34" charset="0"/>
-                <a:ea typeface="Lora" pitchFamily="34" charset="-122"/>
-                <a:cs typeface="Lora" pitchFamily="34" charset="-120"/>
-              </a:rPr>
-              <a:t>Уловки</a:t>
-            </a:r>
-            <a:endParaRPr lang="en-US" sz="2187" dirty="0"/>
-          </a:p>
-        </p:txBody>
-      </p:sp>
-      <p:sp>
-        <p:nvSpPr>
-          <p:cNvPr id="17" name="Text 14"/>
-          <p:cNvSpPr/>
-          <p:nvPr/>
-        </p:nvSpPr>
-        <p:spPr>
-          <a:xfrm>
-            <a:off x="5212913" y="5647730"/>
-            <a:ext cx="8584287" cy="710803"/>
-          </a:xfrm>
-          <a:prstGeom prst="rect">
-            <a:avLst/>
-          </a:prstGeom>
-          <a:noFill/>
-          <a:ln/>
-        </p:spPr>
-        <p:txBody>
-          <a:bodyPr wrap="square" rtlCol="0" anchor="t"/>
-          <a:lstStyle/>
-          <a:p>
-            <a:pPr marL="0" indent="0">
-              <a:lnSpc>
-                <a:spcPts val="2799"/>
-              </a:lnSpc>
-              <a:buNone/>
-            </a:pPr>
+                  <a:srgbClr val="2C3249"/>
+                </a:solidFill>
+                <a:latin typeface="Martel Sans" pitchFamily="34" charset="0"/>
+                <a:ea typeface="Martel Sans" pitchFamily="34" charset="-122"/>
+                <a:cs typeface="Martel Sans" pitchFamily="34" charset="-120"/>
+              </a:rPr>
+              <a:t> </a:t>
+            </a:r>
+            <a:r>
+              <a:rPr lang="en-US" sz="1750" dirty="0" err="1">
+                <a:solidFill>
+                  <a:srgbClr val="2C3249"/>
+                </a:solidFill>
+                <a:latin typeface="Martel Sans" pitchFamily="34" charset="0"/>
+                <a:ea typeface="Martel Sans" pitchFamily="34" charset="-122"/>
+                <a:cs typeface="Martel Sans" pitchFamily="34" charset="-120"/>
+              </a:rPr>
+              <a:t>жизней</a:t>
+            </a:r>
+            <a:r>
+              <a:rPr lang="ru-RU" sz="1750" dirty="0">
+                <a:solidFill>
+                  <a:srgbClr val="2C3249"/>
+                </a:solidFill>
+                <a:latin typeface="Martel Sans" pitchFamily="34" charset="0"/>
+                <a:ea typeface="Martel Sans" pitchFamily="34" charset="-122"/>
+                <a:cs typeface="Martel Sans" pitchFamily="34" charset="-120"/>
+              </a:rPr>
+              <a:t> и</a:t>
+            </a:r>
             <a:r>
               <a:rPr lang="en-US" sz="1750" dirty="0">
                 <a:solidFill>
-                  <a:srgbClr val="3A3630"/>
-                </a:solidFill>
-                <a:latin typeface="Source Sans Pro" pitchFamily="34" charset="0"/>
-                <a:ea typeface="Source Sans Pro" pitchFamily="34" charset="-122"/>
-                <a:cs typeface="Source Sans Pro" pitchFamily="34" charset="-120"/>
-              </a:rPr>
-              <a:t>Игра будет использовать различные уловки и ловушки, чтобы усложнить прохождение уровня.</a:t>
-            </a:r>
-            <a:endParaRPr lang="en-US" sz="1750" dirty="0"/>
-          </a:p>
-        </p:txBody>
-      </p:sp>
-    </p:spTree>
-  </p:cSld>
-  <p:clrMapOvr>
-    <a:masterClrMapping/>
-  </p:clrMapOvr>
-</p:sld>
-</file>
-
-<file path=ppt/slides/slide5.xml><?xml version="1.0" encoding="utf-8"?>
-<p:sld xmlns:a="http://schemas.openxmlformats.org/drawingml/2006/main" xmlns:r="http://schemas.openxmlformats.org/officeDocument/2006/relationships" xmlns:p="http://schemas.openxmlformats.org/presentationml/2006/main">
-  <p:cSld name="Slide 5">
-    <p:spTree>
-      <p:nvGrpSpPr>
-        <p:cNvPr id="1" name=""/>
-        <p:cNvGrpSpPr/>
-        <p:nvPr/>
-      </p:nvGrpSpPr>
-      <p:grpSpPr>
-        <a:xfrm>
-          <a:off x="0" y="0"/>
-          <a:ext cx="0" cy="0"/>
-          <a:chOff x="0" y="0"/>
-          <a:chExt cx="0" cy="0"/>
-        </a:xfrm>
-      </p:grpSpPr>
-      <p:sp>
-        <p:nvSpPr>
-          <p:cNvPr id="2" name="Shape 0"/>
-          <p:cNvSpPr/>
-          <p:nvPr/>
-        </p:nvSpPr>
-        <p:spPr>
-          <a:xfrm>
-            <a:off x="0" y="0"/>
-            <a:ext cx="14630400" cy="8229600"/>
-          </a:xfrm>
-          <a:prstGeom prst="rect">
-            <a:avLst/>
-          </a:prstGeom>
-          <a:solidFill>
-            <a:srgbClr val="F2E4CF"/>
-          </a:solidFill>
-          <a:ln/>
-        </p:spPr>
-      </p:sp>
-      <p:sp>
-        <p:nvSpPr>
-          <p:cNvPr id="3" name="Shape 1"/>
-          <p:cNvSpPr/>
-          <p:nvPr/>
-        </p:nvSpPr>
-        <p:spPr>
-          <a:xfrm>
-            <a:off x="0" y="0"/>
-            <a:ext cx="14630400" cy="8229600"/>
-          </a:xfrm>
-          <a:prstGeom prst="rect">
-            <a:avLst/>
-          </a:prstGeom>
-          <a:solidFill>
-            <a:srgbClr val="FEF5E7"/>
-          </a:solidFill>
-          <a:ln/>
-        </p:spPr>
-      </p:sp>
-      <p:sp>
-        <p:nvSpPr>
-          <p:cNvPr id="4" name="Text 2"/>
-          <p:cNvSpPr/>
-          <p:nvPr/>
-        </p:nvSpPr>
-        <p:spPr>
-          <a:xfrm>
-            <a:off x="2348389" y="2151578"/>
-            <a:ext cx="4443889" cy="694373"/>
-          </a:xfrm>
-          <a:prstGeom prst="rect">
-            <a:avLst/>
-          </a:prstGeom>
-          <a:noFill/>
-          <a:ln/>
-        </p:spPr>
-        <p:txBody>
-          <a:bodyPr wrap="none" rtlCol="0" anchor="t"/>
-          <a:lstStyle/>
-          <a:p>
-            <a:pPr marL="0" indent="0">
-              <a:lnSpc>
-                <a:spcPts val="5468"/>
-              </a:lnSpc>
-              <a:buNone/>
-            </a:pPr>
-            <a:r>
-              <a:rPr lang="en-US" sz="4374" dirty="0">
-                <a:solidFill>
-                  <a:srgbClr val="38512F"/>
-                </a:solidFill>
-                <a:latin typeface="Lora" pitchFamily="34" charset="0"/>
-                <a:ea typeface="Lora" pitchFamily="34" charset="-122"/>
-                <a:cs typeface="Lora" pitchFamily="34" charset="-120"/>
-              </a:rPr>
-              <a:t>Заключение</a:t>
-            </a:r>
-            <a:endParaRPr lang="en-US" sz="4374" dirty="0"/>
-          </a:p>
-        </p:txBody>
-      </p:sp>
-      <p:sp>
-        <p:nvSpPr>
-          <p:cNvPr id="5" name="Text 3"/>
-          <p:cNvSpPr/>
-          <p:nvPr/>
-        </p:nvSpPr>
-        <p:spPr>
-          <a:xfrm>
-            <a:off x="2348389" y="3401378"/>
-            <a:ext cx="2949416" cy="832961"/>
-          </a:xfrm>
-          <a:prstGeom prst="rect">
-            <a:avLst/>
-          </a:prstGeom>
-          <a:noFill/>
-          <a:ln/>
-        </p:spPr>
-        <p:txBody>
-          <a:bodyPr wrap="square" rtlCol="0" anchor="t"/>
-          <a:lstStyle/>
-          <a:p>
-            <a:pPr marL="0" indent="0">
-              <a:lnSpc>
-                <a:spcPts val="3281"/>
-              </a:lnSpc>
-              <a:buNone/>
-            </a:pPr>
-            <a:r>
-              <a:rPr lang="en-US" sz="2624" dirty="0">
-                <a:solidFill>
-                  <a:srgbClr val="38512F"/>
-                </a:solidFill>
-                <a:latin typeface="Lora" pitchFamily="34" charset="0"/>
-                <a:ea typeface="Lora" pitchFamily="34" charset="-122"/>
-                <a:cs typeface="Lora" pitchFamily="34" charset="-120"/>
-              </a:rPr>
-              <a:t>Динамичный геймплей</a:t>
-            </a:r>
-            <a:endParaRPr lang="en-US" sz="2624" dirty="0"/>
-          </a:p>
-        </p:txBody>
-      </p:sp>
-      <p:sp>
-        <p:nvSpPr>
-          <p:cNvPr id="6" name="Text 4"/>
-          <p:cNvSpPr/>
-          <p:nvPr/>
-        </p:nvSpPr>
-        <p:spPr>
-          <a:xfrm>
-            <a:off x="2348389" y="4456509"/>
-            <a:ext cx="2949416" cy="1066205"/>
-          </a:xfrm>
-          <a:prstGeom prst="rect">
-            <a:avLst/>
-          </a:prstGeom>
-          <a:noFill/>
-          <a:ln/>
-        </p:spPr>
-        <p:txBody>
-          <a:bodyPr wrap="square" rtlCol="0" anchor="t"/>
-          <a:lstStyle/>
-          <a:p>
-            <a:pPr marL="0" indent="0">
-              <a:lnSpc>
-                <a:spcPts val="2799"/>
-              </a:lnSpc>
-              <a:buNone/>
-            </a:pPr>
+                  <a:srgbClr val="2C3249"/>
+                </a:solidFill>
+                <a:latin typeface="Martel Sans" pitchFamily="34" charset="0"/>
+                <a:ea typeface="Martel Sans" pitchFamily="34" charset="-122"/>
+                <a:cs typeface="Martel Sans" pitchFamily="34" charset="-120"/>
+              </a:rPr>
+              <a:t> </a:t>
+            </a:r>
+            <a:r>
+              <a:rPr lang="en-US" sz="1750" dirty="0" err="1">
+                <a:solidFill>
+                  <a:srgbClr val="2C3249"/>
+                </a:solidFill>
+                <a:latin typeface="Martel Sans" pitchFamily="34" charset="0"/>
+                <a:ea typeface="Martel Sans" pitchFamily="34" charset="-122"/>
+                <a:cs typeface="Martel Sans" pitchFamily="34" charset="-120"/>
+              </a:rPr>
+              <a:t>боеприпасов</a:t>
+            </a:r>
             <a:r>
               <a:rPr lang="en-US" sz="1750" dirty="0">
                 <a:solidFill>
-                  <a:srgbClr val="3A3630"/>
-                </a:solidFill>
-                <a:latin typeface="Source Sans Pro" pitchFamily="34" charset="0"/>
-                <a:ea typeface="Source Sans Pro" pitchFamily="34" charset="-122"/>
-                <a:cs typeface="Source Sans Pro" pitchFamily="34" charset="-120"/>
-              </a:rPr>
-              <a:t>Разнообразие уровней и врагов обеспечивает динамический геймплей.</a:t>
-            </a:r>
-            <a:endParaRPr lang="en-US" sz="1750" dirty="0"/>
-          </a:p>
-        </p:txBody>
-      </p:sp>
-      <p:sp>
-        <p:nvSpPr>
-          <p:cNvPr id="7" name="Text 5"/>
-          <p:cNvSpPr/>
-          <p:nvPr/>
-        </p:nvSpPr>
-        <p:spPr>
-          <a:xfrm>
-            <a:off x="5847398" y="3401378"/>
-            <a:ext cx="2949416" cy="832961"/>
-          </a:xfrm>
-          <a:prstGeom prst="rect">
-            <a:avLst/>
-          </a:prstGeom>
-          <a:noFill/>
-          <a:ln/>
-        </p:spPr>
-        <p:txBody>
-          <a:bodyPr wrap="square" rtlCol="0" anchor="t"/>
-          <a:lstStyle/>
-          <a:p>
-            <a:pPr marL="0" indent="0">
-              <a:lnSpc>
-                <a:spcPts val="3281"/>
-              </a:lnSpc>
-              <a:buNone/>
-            </a:pPr>
-            <a:r>
-              <a:rPr lang="en-US" sz="2624" dirty="0">
-                <a:solidFill>
-                  <a:srgbClr val="38512F"/>
-                </a:solidFill>
-                <a:latin typeface="Lora" pitchFamily="34" charset="0"/>
-                <a:ea typeface="Lora" pitchFamily="34" charset="-122"/>
-                <a:cs typeface="Lora" pitchFamily="34" charset="-120"/>
-              </a:rPr>
-              <a:t>Разрушаемый мир</a:t>
-            </a:r>
-            <a:endParaRPr lang="en-US" sz="2624" dirty="0"/>
-          </a:p>
-        </p:txBody>
-      </p:sp>
-      <p:sp>
-        <p:nvSpPr>
-          <p:cNvPr id="8" name="Text 6"/>
-          <p:cNvSpPr/>
-          <p:nvPr/>
-        </p:nvSpPr>
-        <p:spPr>
-          <a:xfrm>
-            <a:off x="5847398" y="4456509"/>
-            <a:ext cx="2949416" cy="1421606"/>
-          </a:xfrm>
-          <a:prstGeom prst="rect">
-            <a:avLst/>
-          </a:prstGeom>
-          <a:noFill/>
-          <a:ln/>
-        </p:spPr>
-        <p:txBody>
-          <a:bodyPr wrap="square" rtlCol="0" anchor="t"/>
-          <a:lstStyle/>
-          <a:p>
-            <a:pPr marL="0" indent="0">
-              <a:lnSpc>
-                <a:spcPts val="2799"/>
-              </a:lnSpc>
-              <a:buNone/>
-            </a:pPr>
+                  <a:srgbClr val="2C3249"/>
+                </a:solidFill>
+                <a:latin typeface="Martel Sans" pitchFamily="34" charset="0"/>
+                <a:ea typeface="Martel Sans" pitchFamily="34" charset="-122"/>
+                <a:cs typeface="Martel Sans" pitchFamily="34" charset="-120"/>
+              </a:rPr>
+              <a:t>. </a:t>
+            </a:r>
+            <a:r>
+              <a:rPr lang="en-US" sz="1750" dirty="0" err="1">
+                <a:solidFill>
+                  <a:srgbClr val="2C3249"/>
+                </a:solidFill>
+                <a:latin typeface="Martel Sans" pitchFamily="34" charset="0"/>
+                <a:ea typeface="Martel Sans" pitchFamily="34" charset="-122"/>
+                <a:cs typeface="Martel Sans" pitchFamily="34" charset="-120"/>
+              </a:rPr>
+              <a:t>Возможность</a:t>
+            </a:r>
             <a:r>
               <a:rPr lang="en-US" sz="1750" dirty="0">
                 <a:solidFill>
-                  <a:srgbClr val="3A3630"/>
-                </a:solidFill>
-                <a:latin typeface="Source Sans Pro" pitchFamily="34" charset="0"/>
-                <a:ea typeface="Source Sans Pro" pitchFamily="34" charset="-122"/>
-                <a:cs typeface="Source Sans Pro" pitchFamily="34" charset="-120"/>
-              </a:rPr>
-              <a:t>Некоторые уровни содержат разрушаемый мир, что позволяет использовать окружение в своих интересах.</a:t>
-            </a:r>
-            <a:endParaRPr lang="en-US" sz="1750" dirty="0"/>
-          </a:p>
-        </p:txBody>
-      </p:sp>
-      <p:sp>
-        <p:nvSpPr>
-          <p:cNvPr id="9" name="Text 7"/>
-          <p:cNvSpPr/>
-          <p:nvPr/>
-        </p:nvSpPr>
-        <p:spPr>
-          <a:xfrm>
-            <a:off x="9346406" y="3401378"/>
-            <a:ext cx="2666286" cy="416481"/>
-          </a:xfrm>
-          <a:prstGeom prst="rect">
-            <a:avLst/>
-          </a:prstGeom>
-          <a:noFill/>
-          <a:ln/>
-        </p:spPr>
-        <p:txBody>
-          <a:bodyPr wrap="none" rtlCol="0" anchor="t"/>
-          <a:lstStyle/>
-          <a:p>
-            <a:pPr marL="0" indent="0">
-              <a:lnSpc>
-                <a:spcPts val="3281"/>
-              </a:lnSpc>
-              <a:buNone/>
-            </a:pPr>
-            <a:r>
-              <a:rPr lang="en-US" sz="2624" dirty="0">
-                <a:solidFill>
-                  <a:srgbClr val="38512F"/>
-                </a:solidFill>
-                <a:latin typeface="Lora" pitchFamily="34" charset="0"/>
-                <a:ea typeface="Lora" pitchFamily="34" charset="-122"/>
-                <a:cs typeface="Lora" pitchFamily="34" charset="-120"/>
-              </a:rPr>
-              <a:t>Легкий доступ</a:t>
-            </a:r>
-            <a:endParaRPr lang="en-US" sz="2624" dirty="0"/>
-          </a:p>
-        </p:txBody>
-      </p:sp>
-      <p:sp>
-        <p:nvSpPr>
-          <p:cNvPr id="10" name="Text 8"/>
-          <p:cNvSpPr/>
-          <p:nvPr/>
-        </p:nvSpPr>
-        <p:spPr>
-          <a:xfrm>
-            <a:off x="9346406" y="4040029"/>
-            <a:ext cx="2949416" cy="710803"/>
-          </a:xfrm>
-          <a:prstGeom prst="rect">
-            <a:avLst/>
-          </a:prstGeom>
-          <a:noFill/>
-          <a:ln/>
-        </p:spPr>
-        <p:txBody>
-          <a:bodyPr wrap="square" rtlCol="0" anchor="t"/>
-          <a:lstStyle/>
-          <a:p>
-            <a:pPr marL="0" indent="0">
-              <a:lnSpc>
-                <a:spcPts val="2799"/>
-              </a:lnSpc>
-              <a:buNone/>
-            </a:pPr>
-            <a:r>
-              <a:rPr lang="en-US" sz="1750" dirty="0">
-                <a:solidFill>
-                  <a:srgbClr val="3A3630"/>
-                </a:solidFill>
-                <a:latin typeface="Source Sans Pro" pitchFamily="34" charset="0"/>
-                <a:ea typeface="Source Sans Pro" pitchFamily="34" charset="-122"/>
-                <a:cs typeface="Source Sans Pro" pitchFamily="34" charset="-120"/>
-              </a:rPr>
-              <a:t>Игра легко загружается и управляется</a:t>
+                  <a:srgbClr val="2C3249"/>
+                </a:solidFill>
+                <a:latin typeface="Martel Sans" pitchFamily="34" charset="0"/>
+                <a:ea typeface="Martel Sans" pitchFamily="34" charset="-122"/>
+                <a:cs typeface="Martel Sans" pitchFamily="34" charset="-120"/>
+              </a:rPr>
+              <a:t> паузы в игре.</a:t>
             </a:r>
             <a:endParaRPr lang="en-US" sz="1750" dirty="0"/>
           </a:p>
@@ -3319,7 +3503,7 @@
             <a:avLst/>
           </a:prstGeom>
           <a:solidFill>
-            <a:srgbClr val="F2E4CF"/>
+            <a:srgbClr val="EBF4F3"/>
           </a:solidFill>
           <a:ln/>
         </p:spPr>
@@ -3339,29 +3523,569 @@
             <a:avLst/>
           </a:prstGeom>
           <a:solidFill>
-            <a:srgbClr val="FEF5E7"/>
-          </a:solidFill>
-          <a:ln/>
-        </p:spPr>
+            <a:srgbClr val="FFFFFF"/>
+          </a:solidFill>
+          <a:ln/>
+        </p:spPr>
+      </p:sp>
+      <p:sp>
+        <p:nvSpPr>
+          <p:cNvPr id="5" name="Text 2"/>
+          <p:cNvSpPr/>
+          <p:nvPr/>
+        </p:nvSpPr>
+        <p:spPr>
+          <a:xfrm>
+            <a:off x="833199" y="1649016"/>
+            <a:ext cx="5897880" cy="694373"/>
+          </a:xfrm>
+          <a:prstGeom prst="rect">
+            <a:avLst/>
+          </a:prstGeom>
+          <a:noFill/>
+          <a:ln/>
+        </p:spPr>
+        <p:txBody>
+          <a:bodyPr wrap="none" rtlCol="0" anchor="t"/>
+          <a:lstStyle/>
+          <a:p>
+            <a:pPr marL="0" indent="0">
+              <a:lnSpc>
+                <a:spcPts val="5468"/>
+              </a:lnSpc>
+              <a:buNone/>
+            </a:pPr>
+            <a:r>
+              <a:rPr lang="en-US" sz="4374" dirty="0">
+                <a:solidFill>
+                  <a:srgbClr val="272D45"/>
+                </a:solidFill>
+                <a:latin typeface="Kanit" pitchFamily="34" charset="0"/>
+                <a:ea typeface="Kanit" pitchFamily="34" charset="-122"/>
+                <a:cs typeface="Kanit" pitchFamily="34" charset="-120"/>
+              </a:rPr>
+              <a:t>Описание реализации</a:t>
+            </a:r>
+            <a:endParaRPr lang="en-US" sz="4374" dirty="0"/>
+          </a:p>
+        </p:txBody>
+      </p:sp>
+      <p:sp>
+        <p:nvSpPr>
+          <p:cNvPr id="6" name="Shape 3"/>
+          <p:cNvSpPr/>
+          <p:nvPr/>
+        </p:nvSpPr>
+        <p:spPr>
+          <a:xfrm>
+            <a:off x="833199" y="2676644"/>
+            <a:ext cx="4542115" cy="2018586"/>
+          </a:xfrm>
+          <a:prstGeom prst="roundRect">
+            <a:avLst>
+              <a:gd name="adj" fmla="val 4953"/>
+            </a:avLst>
+          </a:prstGeom>
+          <a:solidFill>
+            <a:srgbClr val="DFECE9"/>
+          </a:solidFill>
+          <a:ln w="13811">
+            <a:solidFill>
+              <a:srgbClr val="C5D2CF"/>
+            </a:solidFill>
+            <a:prstDash val="solid"/>
+          </a:ln>
+        </p:spPr>
+      </p:sp>
+      <p:sp>
+        <p:nvSpPr>
+          <p:cNvPr id="7" name="Text 4"/>
+          <p:cNvSpPr/>
+          <p:nvPr/>
+        </p:nvSpPr>
+        <p:spPr>
+          <a:xfrm>
+            <a:off x="1069181" y="2912626"/>
+            <a:ext cx="2221944" cy="347186"/>
+          </a:xfrm>
+          <a:prstGeom prst="rect">
+            <a:avLst/>
+          </a:prstGeom>
+          <a:noFill/>
+          <a:ln/>
+        </p:spPr>
+        <p:txBody>
+          <a:bodyPr wrap="none" rtlCol="0" anchor="t"/>
+          <a:lstStyle/>
+          <a:p>
+            <a:pPr marL="0" indent="0">
+              <a:lnSpc>
+                <a:spcPts val="2734"/>
+              </a:lnSpc>
+              <a:buNone/>
+            </a:pPr>
+            <a:r>
+              <a:rPr lang="en-US" sz="2187" dirty="0">
+                <a:solidFill>
+                  <a:srgbClr val="2C3249"/>
+                </a:solidFill>
+                <a:latin typeface="Kanit" pitchFamily="34" charset="0"/>
+                <a:ea typeface="Kanit" pitchFamily="34" charset="-122"/>
+                <a:cs typeface="Kanit" pitchFamily="34" charset="-120"/>
+              </a:rPr>
+              <a:t>Структура</a:t>
+            </a:r>
+            <a:endParaRPr lang="en-US" sz="2187" dirty="0"/>
+          </a:p>
+        </p:txBody>
+      </p:sp>
+      <p:sp>
+        <p:nvSpPr>
+          <p:cNvPr id="8" name="Text 5"/>
+          <p:cNvSpPr/>
+          <p:nvPr/>
+        </p:nvSpPr>
+        <p:spPr>
+          <a:xfrm>
+            <a:off x="1069181" y="3393043"/>
+            <a:ext cx="4070152" cy="1066205"/>
+          </a:xfrm>
+          <a:prstGeom prst="rect">
+            <a:avLst/>
+          </a:prstGeom>
+          <a:noFill/>
+          <a:ln/>
+        </p:spPr>
+        <p:txBody>
+          <a:bodyPr wrap="square" rtlCol="0" anchor="t"/>
+          <a:lstStyle/>
+          <a:p>
+            <a:pPr marL="0" indent="0">
+              <a:lnSpc>
+                <a:spcPts val="2799"/>
+              </a:lnSpc>
+              <a:buNone/>
+            </a:pPr>
+            <a:r>
+              <a:rPr lang="en-US" sz="1750" dirty="0">
+                <a:solidFill>
+                  <a:srgbClr val="2C3249"/>
+                </a:solidFill>
+                <a:latin typeface="Martel Sans" pitchFamily="34" charset="0"/>
+                <a:ea typeface="Martel Sans" pitchFamily="34" charset="-122"/>
+                <a:cs typeface="Martel Sans" pitchFamily="34" charset="-120"/>
+              </a:rPr>
+              <a:t>Класс камеры, класс танка, класс турели, класс снаряда, класс препятствия, класс карты.</a:t>
+            </a:r>
+            <a:endParaRPr lang="en-US" sz="1750" dirty="0"/>
+          </a:p>
+        </p:txBody>
+      </p:sp>
+      <p:sp>
+        <p:nvSpPr>
+          <p:cNvPr id="9" name="Shape 6"/>
+          <p:cNvSpPr/>
+          <p:nvPr/>
+        </p:nvSpPr>
+        <p:spPr>
+          <a:xfrm>
+            <a:off x="5597485" y="2676644"/>
+            <a:ext cx="4542115" cy="2018586"/>
+          </a:xfrm>
+          <a:prstGeom prst="roundRect">
+            <a:avLst>
+              <a:gd name="adj" fmla="val 4953"/>
+            </a:avLst>
+          </a:prstGeom>
+          <a:solidFill>
+            <a:srgbClr val="DFECE9"/>
+          </a:solidFill>
+          <a:ln w="13811">
+            <a:solidFill>
+              <a:srgbClr val="C5D2CF"/>
+            </a:solidFill>
+            <a:prstDash val="solid"/>
+          </a:ln>
+        </p:spPr>
+      </p:sp>
+      <p:sp>
+        <p:nvSpPr>
+          <p:cNvPr id="10" name="Text 7"/>
+          <p:cNvSpPr/>
+          <p:nvPr/>
+        </p:nvSpPr>
+        <p:spPr>
+          <a:xfrm>
+            <a:off x="5833467" y="2912626"/>
+            <a:ext cx="3413760" cy="347186"/>
+          </a:xfrm>
+          <a:prstGeom prst="rect">
+            <a:avLst/>
+          </a:prstGeom>
+          <a:noFill/>
+          <a:ln/>
+        </p:spPr>
+        <p:txBody>
+          <a:bodyPr wrap="none" rtlCol="0" anchor="t"/>
+          <a:lstStyle/>
+          <a:p>
+            <a:pPr marL="0" indent="0">
+              <a:lnSpc>
+                <a:spcPts val="2734"/>
+              </a:lnSpc>
+              <a:buNone/>
+            </a:pPr>
+            <a:r>
+              <a:rPr lang="en-US" sz="2187" dirty="0">
+                <a:solidFill>
+                  <a:srgbClr val="2C3249"/>
+                </a:solidFill>
+                <a:latin typeface="Kanit" pitchFamily="34" charset="0"/>
+                <a:ea typeface="Kanit" pitchFamily="34" charset="-122"/>
+                <a:cs typeface="Kanit" pitchFamily="34" charset="-120"/>
+              </a:rPr>
+              <a:t>Особенности приложения</a:t>
+            </a:r>
+            <a:endParaRPr lang="en-US" sz="2187" dirty="0"/>
+          </a:p>
+        </p:txBody>
+      </p:sp>
+      <p:sp>
+        <p:nvSpPr>
+          <p:cNvPr id="11" name="Text 8"/>
+          <p:cNvSpPr/>
+          <p:nvPr/>
+        </p:nvSpPr>
+        <p:spPr>
+          <a:xfrm>
+            <a:off x="5833467" y="3393043"/>
+            <a:ext cx="4070152" cy="1066205"/>
+          </a:xfrm>
+          <a:prstGeom prst="rect">
+            <a:avLst/>
+          </a:prstGeom>
+          <a:noFill/>
+          <a:ln/>
+        </p:spPr>
+        <p:txBody>
+          <a:bodyPr wrap="square" rtlCol="0" anchor="t"/>
+          <a:lstStyle/>
+          <a:p>
+            <a:pPr marL="0" indent="0">
+              <a:lnSpc>
+                <a:spcPts val="2799"/>
+              </a:lnSpc>
+              <a:buNone/>
+            </a:pPr>
+            <a:r>
+              <a:rPr lang="en-US" sz="1750" dirty="0">
+                <a:solidFill>
+                  <a:srgbClr val="2C3249"/>
+                </a:solidFill>
+                <a:latin typeface="Martel Sans" pitchFamily="34" charset="0"/>
+                <a:ea typeface="Martel Sans" pitchFamily="34" charset="-122"/>
+                <a:cs typeface="Martel Sans" pitchFamily="34" charset="-120"/>
+              </a:rPr>
+              <a:t>Игра предоставляет увлекательное и адреналиновое погружение в мир танковых сражений.</a:t>
+            </a:r>
+            <a:endParaRPr lang="en-US" sz="1750" dirty="0"/>
+          </a:p>
+        </p:txBody>
+      </p:sp>
+      <p:sp>
+        <p:nvSpPr>
+          <p:cNvPr id="12" name="Shape 9"/>
+          <p:cNvSpPr/>
+          <p:nvPr/>
+        </p:nvSpPr>
+        <p:spPr>
+          <a:xfrm>
+            <a:off x="833199" y="4917400"/>
+            <a:ext cx="9306401" cy="1663184"/>
+          </a:xfrm>
+          <a:prstGeom prst="roundRect">
+            <a:avLst>
+              <a:gd name="adj" fmla="val 6012"/>
+            </a:avLst>
+          </a:prstGeom>
+          <a:solidFill>
+            <a:srgbClr val="DFECE9"/>
+          </a:solidFill>
+          <a:ln w="13811">
+            <a:solidFill>
+              <a:srgbClr val="C5D2CF"/>
+            </a:solidFill>
+            <a:prstDash val="solid"/>
+          </a:ln>
+        </p:spPr>
+      </p:sp>
+      <p:sp>
+        <p:nvSpPr>
+          <p:cNvPr id="13" name="Text 10"/>
+          <p:cNvSpPr/>
+          <p:nvPr/>
+        </p:nvSpPr>
+        <p:spPr>
+          <a:xfrm>
+            <a:off x="1069181" y="5153382"/>
+            <a:ext cx="3459480" cy="347186"/>
+          </a:xfrm>
+          <a:prstGeom prst="rect">
+            <a:avLst/>
+          </a:prstGeom>
+          <a:noFill/>
+          <a:ln/>
+        </p:spPr>
+        <p:txBody>
+          <a:bodyPr wrap="none" rtlCol="0" anchor="t"/>
+          <a:lstStyle/>
+          <a:p>
+            <a:pPr marL="0" indent="0">
+              <a:lnSpc>
+                <a:spcPts val="2734"/>
+              </a:lnSpc>
+              <a:buNone/>
+            </a:pPr>
+            <a:r>
+              <a:rPr lang="en-US" sz="2187" dirty="0">
+                <a:solidFill>
+                  <a:srgbClr val="2C3249"/>
+                </a:solidFill>
+                <a:latin typeface="Kanit" pitchFamily="34" charset="0"/>
+                <a:ea typeface="Kanit" pitchFamily="34" charset="-122"/>
+                <a:cs typeface="Kanit" pitchFamily="34" charset="-120"/>
+              </a:rPr>
+              <a:t>Используемые технологии</a:t>
+            </a:r>
+            <a:endParaRPr lang="en-US" sz="2187" dirty="0"/>
+          </a:p>
+        </p:txBody>
+      </p:sp>
+      <p:sp>
+        <p:nvSpPr>
+          <p:cNvPr id="14" name="Text 11"/>
+          <p:cNvSpPr/>
+          <p:nvPr/>
+        </p:nvSpPr>
+        <p:spPr>
+          <a:xfrm>
+            <a:off x="1069181" y="5633799"/>
+            <a:ext cx="8834438" cy="710803"/>
+          </a:xfrm>
+          <a:prstGeom prst="rect">
+            <a:avLst/>
+          </a:prstGeom>
+          <a:noFill/>
+          <a:ln/>
+        </p:spPr>
+        <p:txBody>
+          <a:bodyPr wrap="square" rtlCol="0" anchor="t"/>
+          <a:lstStyle/>
+          <a:p>
+            <a:pPr marL="0" indent="0">
+              <a:lnSpc>
+                <a:spcPts val="2799"/>
+              </a:lnSpc>
+              <a:buNone/>
+            </a:pPr>
+            <a:r>
+              <a:rPr lang="en-US" sz="1750" dirty="0">
+                <a:solidFill>
+                  <a:srgbClr val="2C3249"/>
+                </a:solidFill>
+                <a:latin typeface="Martel Sans" pitchFamily="34" charset="0"/>
+                <a:ea typeface="Martel Sans" pitchFamily="34" charset="-122"/>
+                <a:cs typeface="Martel Sans" pitchFamily="34" charset="-120"/>
+              </a:rPr>
+              <a:t>Графика 2D с использованием Pygame, интеграция фоновой музыки и звуковых эффектов.</a:t>
+            </a:r>
+            <a:endParaRPr lang="en-US" sz="1750" dirty="0"/>
+          </a:p>
+        </p:txBody>
       </p:sp>
       <p:pic>
         <p:nvPicPr>
-          <p:cNvPr id="4" name="Image 0" descr="preencoded.png"/>
+          <p:cNvPr id="17" name="Рисунок 16">
+            <a:extLst>
+              <a:ext uri="{FF2B5EF4-FFF2-40B4-BE49-F238E27FC236}">
+                <a16:creationId xmlns:a16="http://schemas.microsoft.com/office/drawing/2014/main" id="{FF52F5B3-0DB1-00C1-EFAC-340AD18E9CAD}"/>
+              </a:ext>
+            </a:extLst>
+          </p:cNvPr>
           <p:cNvPicPr>
             <a:picLocks noChangeAspect="1"/>
           </p:cNvPicPr>
           <p:nvPr/>
         </p:nvPicPr>
+        <p:blipFill rotWithShape="1">
+          <a:blip r:embed="rId3"/>
+          <a:srcRect l="55957"/>
+          <a:stretch/>
+        </p:blipFill>
+        <p:spPr>
+          <a:xfrm>
+            <a:off x="10974726" y="0"/>
+            <a:ext cx="3655674" cy="8229600"/>
+          </a:xfrm>
+          <a:prstGeom prst="rect">
+            <a:avLst/>
+          </a:prstGeom>
+        </p:spPr>
+      </p:pic>
+    </p:spTree>
+  </p:cSld>
+  <p:clrMapOvr>
+    <a:masterClrMapping/>
+  </p:clrMapOvr>
+</p:sld>
+</file>
+
+<file path=ppt/slides/slide7.xml><?xml version="1.0" encoding="utf-8"?>
+<p:sld xmlns:a="http://schemas.openxmlformats.org/drawingml/2006/main" xmlns:r="http://schemas.openxmlformats.org/officeDocument/2006/relationships" xmlns:p="http://schemas.openxmlformats.org/presentationml/2006/main">
+  <p:cSld name="Slide 7">
+    <p:spTree>
+      <p:nvGrpSpPr>
+        <p:cNvPr id="1" name=""/>
+        <p:cNvGrpSpPr/>
+        <p:nvPr/>
+      </p:nvGrpSpPr>
+      <p:grpSpPr>
+        <a:xfrm>
+          <a:off x="0" y="0"/>
+          <a:ext cx="0" cy="0"/>
+          <a:chOff x="0" y="0"/>
+          <a:chExt cx="0" cy="0"/>
+        </a:xfrm>
+      </p:grpSpPr>
+      <p:sp>
+        <p:nvSpPr>
+          <p:cNvPr id="2" name="Shape 0"/>
+          <p:cNvSpPr/>
+          <p:nvPr/>
+        </p:nvSpPr>
+        <p:spPr>
+          <a:xfrm>
+            <a:off x="0" y="0"/>
+            <a:ext cx="14630400" cy="8229600"/>
+          </a:xfrm>
+          <a:prstGeom prst="rect">
+            <a:avLst/>
+          </a:prstGeom>
+          <a:solidFill>
+            <a:srgbClr val="EBF4F3"/>
+          </a:solidFill>
+          <a:ln/>
+        </p:spPr>
+      </p:sp>
+      <p:sp>
+        <p:nvSpPr>
+          <p:cNvPr id="3" name="Shape 1"/>
+          <p:cNvSpPr/>
+          <p:nvPr/>
+        </p:nvSpPr>
+        <p:spPr>
+          <a:xfrm>
+            <a:off x="0" y="0"/>
+            <a:ext cx="14630400" cy="8229600"/>
+          </a:xfrm>
+          <a:prstGeom prst="rect">
+            <a:avLst/>
+          </a:prstGeom>
+          <a:solidFill>
+            <a:srgbClr val="FFFFFF"/>
+          </a:solidFill>
+          <a:ln/>
+        </p:spPr>
+      </p:sp>
+      <p:pic>
+        <p:nvPicPr>
+          <p:cNvPr id="17" name="Рисунок 16">
+            <a:extLst>
+              <a:ext uri="{FF2B5EF4-FFF2-40B4-BE49-F238E27FC236}">
+                <a16:creationId xmlns:a16="http://schemas.microsoft.com/office/drawing/2014/main" id="{10634D8C-9261-8038-95F7-69AAC05293BE}"/>
+              </a:ext>
+            </a:extLst>
+          </p:cNvPr>
+          <p:cNvPicPr>
+            <a:picLocks noChangeAspect="1"/>
+          </p:cNvPicPr>
+          <p:nvPr/>
+        </p:nvPicPr>
+        <p:blipFill rotWithShape="1">
+          <a:blip r:embed="rId3"/>
+          <a:srcRect l="55611"/>
+          <a:stretch/>
+        </p:blipFill>
+        <p:spPr>
+          <a:xfrm>
+            <a:off x="10972800" y="0"/>
+            <a:ext cx="3657600" cy="8229600"/>
+          </a:xfrm>
+          <a:prstGeom prst="rect">
+            <a:avLst/>
+          </a:prstGeom>
+        </p:spPr>
+      </p:pic>
+      <p:sp>
+        <p:nvSpPr>
+          <p:cNvPr id="5" name="Text 2"/>
+          <p:cNvSpPr/>
+          <p:nvPr/>
+        </p:nvSpPr>
+        <p:spPr>
+          <a:xfrm>
+            <a:off x="833199" y="934760"/>
+            <a:ext cx="4443889" cy="694373"/>
+          </a:xfrm>
+          <a:prstGeom prst="rect">
+            <a:avLst/>
+          </a:prstGeom>
+          <a:noFill/>
+          <a:ln/>
+        </p:spPr>
+        <p:txBody>
+          <a:bodyPr wrap="none" rtlCol="0" anchor="t"/>
+          <a:lstStyle/>
+          <a:p>
+            <a:pPr marL="0" indent="0">
+              <a:lnSpc>
+                <a:spcPts val="5468"/>
+              </a:lnSpc>
+              <a:buNone/>
+            </a:pPr>
+            <a:r>
+              <a:rPr lang="en-US" sz="4374" dirty="0">
+                <a:solidFill>
+                  <a:srgbClr val="272D45"/>
+                </a:solidFill>
+                <a:latin typeface="Kanit" pitchFamily="34" charset="0"/>
+                <a:ea typeface="Kanit" pitchFamily="34" charset="-122"/>
+                <a:cs typeface="Kanit" pitchFamily="34" charset="-120"/>
+              </a:rPr>
+              <a:t>Заключение</a:t>
+            </a:r>
+            <a:endParaRPr lang="en-US" sz="4374" dirty="0"/>
+          </a:p>
+        </p:txBody>
+      </p:sp>
+      <p:pic>
+        <p:nvPicPr>
+          <p:cNvPr id="6" name="Image 1" descr="preencoded.png"/>
+          <p:cNvPicPr>
+            <a:picLocks noChangeAspect="1"/>
+          </p:cNvPicPr>
+          <p:nvPr/>
+        </p:nvPicPr>
         <p:blipFill>
-          <a:blip r:embed="rId3"/>
+          <a:blip r:embed="rId4"/>
           <a:stretch>
             <a:fillRect/>
           </a:stretch>
         </p:blipFill>
         <p:spPr>
           <a:xfrm>
-            <a:off x="0" y="0"/>
-            <a:ext cx="5486400" cy="8229600"/>
+            <a:off x="833199" y="1962388"/>
+            <a:ext cx="1110972" cy="1777484"/>
           </a:xfrm>
           <a:prstGeom prst="rect">
             <a:avLst/>
@@ -3370,14 +4094,14 @@
       </p:pic>
       <p:sp>
         <p:nvSpPr>
-          <p:cNvPr id="5" name="Text 2"/>
-          <p:cNvSpPr/>
-          <p:nvPr/>
-        </p:nvSpPr>
-        <p:spPr>
-          <a:xfrm>
-            <a:off x="6319599" y="3245525"/>
-            <a:ext cx="5928360" cy="694373"/>
+          <p:cNvPr id="7" name="Text 3"/>
+          <p:cNvSpPr/>
+          <p:nvPr/>
+        </p:nvSpPr>
+        <p:spPr>
+          <a:xfrm>
+            <a:off x="2277428" y="2184559"/>
+            <a:ext cx="2385060" cy="347186"/>
           </a:xfrm>
           <a:prstGeom prst="rect">
             <a:avLst/>
@@ -3389,37 +4113,37 @@
           <a:bodyPr wrap="none" rtlCol="0" anchor="t"/>
           <a:lstStyle/>
           <a:p>
-            <a:pPr marL="0" indent="0">
-              <a:lnSpc>
-                <a:spcPts val="5468"/>
-              </a:lnSpc>
-              <a:buNone/>
-            </a:pPr>
-            <a:r>
-              <a:rPr lang="en-US" sz="4374" dirty="0">
-                <a:solidFill>
-                  <a:srgbClr val="38512F"/>
-                </a:solidFill>
-                <a:latin typeface="Lora" pitchFamily="34" charset="0"/>
-                <a:ea typeface="Lora" pitchFamily="34" charset="-122"/>
-                <a:cs typeface="Lora" pitchFamily="34" charset="-120"/>
-              </a:rPr>
-              <a:t>Спасибо за просмотр!</a:t>
-            </a:r>
-            <a:endParaRPr lang="en-US" sz="4374" dirty="0"/>
-          </a:p>
-        </p:txBody>
-      </p:sp>
-      <p:sp>
-        <p:nvSpPr>
-          <p:cNvPr id="6" name="Text 3"/>
-          <p:cNvSpPr/>
-          <p:nvPr/>
-        </p:nvSpPr>
-        <p:spPr>
-          <a:xfrm>
-            <a:off x="6319599" y="4273153"/>
-            <a:ext cx="7477601" cy="710803"/>
+            <a:pPr marL="0" indent="0" algn="l">
+              <a:lnSpc>
+                <a:spcPts val="2734"/>
+              </a:lnSpc>
+              <a:buNone/>
+            </a:pPr>
+            <a:r>
+              <a:rPr lang="en-US" sz="2187" dirty="0">
+                <a:solidFill>
+                  <a:srgbClr val="2C3249"/>
+                </a:solidFill>
+                <a:latin typeface="Kanit" pitchFamily="34" charset="0"/>
+                <a:ea typeface="Kanit" pitchFamily="34" charset="-122"/>
+                <a:cs typeface="Kanit" pitchFamily="34" charset="-120"/>
+              </a:rPr>
+              <a:t>Выводы по работе</a:t>
+            </a:r>
+            <a:endParaRPr lang="en-US" sz="2187" dirty="0"/>
+          </a:p>
+        </p:txBody>
+      </p:sp>
+      <p:sp>
+        <p:nvSpPr>
+          <p:cNvPr id="8" name="Text 4"/>
+          <p:cNvSpPr/>
+          <p:nvPr/>
+        </p:nvSpPr>
+        <p:spPr>
+          <a:xfrm>
+            <a:off x="2277428" y="2664976"/>
+            <a:ext cx="7862173" cy="710803"/>
           </a:xfrm>
           <a:prstGeom prst="rect">
             <a:avLst/>
@@ -3431,7 +4155,7 @@
           <a:bodyPr wrap="square" rtlCol="0" anchor="t"/>
           <a:lstStyle/>
           <a:p>
-            <a:pPr marL="0" indent="0">
+            <a:pPr marL="0" indent="0" algn="l">
               <a:lnSpc>
                 <a:spcPts val="2799"/>
               </a:lnSpc>
@@ -3440,13 +4164,229 @@
             <a:r>
               <a:rPr lang="en-US" sz="1750" dirty="0">
                 <a:solidFill>
-                  <a:srgbClr val="3A3630"/>
-                </a:solidFill>
-                <a:latin typeface="Source Sans Pro" pitchFamily="34" charset="0"/>
-                <a:ea typeface="Source Sans Pro" pitchFamily="34" charset="-122"/>
-                <a:cs typeface="Source Sans Pro" pitchFamily="34" charset="-120"/>
-              </a:rPr>
-              <a:t>Мы надеемся, что наша презентация о игре "Tank Battles" была полезна и интересна для вас. Спасибо за внимание.</a:t>
+                  <a:srgbClr val="2C3249"/>
+                </a:solidFill>
+                <a:latin typeface="Martel Sans" pitchFamily="34" charset="0"/>
+                <a:ea typeface="Martel Sans" pitchFamily="34" charset="-122"/>
+                <a:cs typeface="Martel Sans" pitchFamily="34" charset="-120"/>
+              </a:rPr>
+              <a:t>Мастерство управления техникой и тактический склад ума определяют победителя.</a:t>
+            </a:r>
+            <a:endParaRPr lang="en-US" sz="1750" dirty="0"/>
+          </a:p>
+        </p:txBody>
+      </p:sp>
+      <p:pic>
+        <p:nvPicPr>
+          <p:cNvPr id="9" name="Image 2" descr="preencoded.png"/>
+          <p:cNvPicPr>
+            <a:picLocks noChangeAspect="1"/>
+          </p:cNvPicPr>
+          <p:nvPr/>
+        </p:nvPicPr>
+        <p:blipFill>
+          <a:blip r:embed="rId5"/>
+          <a:stretch>
+            <a:fillRect/>
+          </a:stretch>
+        </p:blipFill>
+        <p:spPr>
+          <a:xfrm>
+            <a:off x="833199" y="3739872"/>
+            <a:ext cx="1110972" cy="1777484"/>
+          </a:xfrm>
+          <a:prstGeom prst="rect">
+            <a:avLst/>
+          </a:prstGeom>
+        </p:spPr>
+      </p:pic>
+      <p:sp>
+        <p:nvSpPr>
+          <p:cNvPr id="10" name="Text 5"/>
+          <p:cNvSpPr/>
+          <p:nvPr/>
+        </p:nvSpPr>
+        <p:spPr>
+          <a:xfrm>
+            <a:off x="2277428" y="3962043"/>
+            <a:ext cx="3657600" cy="347186"/>
+          </a:xfrm>
+          <a:prstGeom prst="rect">
+            <a:avLst/>
+          </a:prstGeom>
+          <a:noFill/>
+          <a:ln/>
+        </p:spPr>
+        <p:txBody>
+          <a:bodyPr wrap="none" rtlCol="0" anchor="t"/>
+          <a:lstStyle/>
+          <a:p>
+            <a:pPr marL="0" indent="0" algn="l">
+              <a:lnSpc>
+                <a:spcPts val="2734"/>
+              </a:lnSpc>
+              <a:buNone/>
+            </a:pPr>
+            <a:r>
+              <a:rPr lang="en-US" sz="2187" dirty="0">
+                <a:solidFill>
+                  <a:srgbClr val="2C3249"/>
+                </a:solidFill>
+                <a:latin typeface="Kanit" pitchFamily="34" charset="0"/>
+                <a:ea typeface="Kanit" pitchFamily="34" charset="-122"/>
+                <a:cs typeface="Kanit" pitchFamily="34" charset="-120"/>
+              </a:rPr>
+              <a:t>Возможности для доработки</a:t>
+            </a:r>
+            <a:endParaRPr lang="en-US" sz="2187" dirty="0"/>
+          </a:p>
+        </p:txBody>
+      </p:sp>
+      <p:sp>
+        <p:nvSpPr>
+          <p:cNvPr id="11" name="Text 6"/>
+          <p:cNvSpPr/>
+          <p:nvPr/>
+        </p:nvSpPr>
+        <p:spPr>
+          <a:xfrm>
+            <a:off x="2277428" y="4442460"/>
+            <a:ext cx="7862173" cy="710803"/>
+          </a:xfrm>
+          <a:prstGeom prst="rect">
+            <a:avLst/>
+          </a:prstGeom>
+          <a:noFill/>
+          <a:ln/>
+        </p:spPr>
+        <p:txBody>
+          <a:bodyPr wrap="square" rtlCol="0" anchor="t"/>
+          <a:lstStyle/>
+          <a:p>
+            <a:pPr marL="0" indent="0" algn="l">
+              <a:lnSpc>
+                <a:spcPts val="2799"/>
+              </a:lnSpc>
+              <a:buNone/>
+            </a:pPr>
+            <a:r>
+              <a:rPr lang="en-US" sz="1750" dirty="0">
+                <a:solidFill>
+                  <a:srgbClr val="2C3249"/>
+                </a:solidFill>
+                <a:latin typeface="Martel Sans" pitchFamily="34" charset="0"/>
+                <a:ea typeface="Martel Sans" pitchFamily="34" charset="-122"/>
+                <a:cs typeface="Martel Sans" pitchFamily="34" charset="-120"/>
+              </a:rPr>
+              <a:t>Добавление новых уровней и возможностей для улучшения техники игрока.</a:t>
+            </a:r>
+            <a:endParaRPr lang="en-US" sz="1750" dirty="0"/>
+          </a:p>
+        </p:txBody>
+      </p:sp>
+      <p:pic>
+        <p:nvPicPr>
+          <p:cNvPr id="12" name="Image 3" descr="preencoded.png"/>
+          <p:cNvPicPr>
+            <a:picLocks noChangeAspect="1"/>
+          </p:cNvPicPr>
+          <p:nvPr/>
+        </p:nvPicPr>
+        <p:blipFill>
+          <a:blip r:embed="rId6"/>
+          <a:stretch>
+            <a:fillRect/>
+          </a:stretch>
+        </p:blipFill>
+        <p:spPr>
+          <a:xfrm>
+            <a:off x="833199" y="5517356"/>
+            <a:ext cx="1110972" cy="1777484"/>
+          </a:xfrm>
+          <a:prstGeom prst="rect">
+            <a:avLst/>
+          </a:prstGeom>
+        </p:spPr>
+      </p:pic>
+      <p:sp>
+        <p:nvSpPr>
+          <p:cNvPr id="13" name="Text 7"/>
+          <p:cNvSpPr/>
+          <p:nvPr/>
+        </p:nvSpPr>
+        <p:spPr>
+          <a:xfrm>
+            <a:off x="2277428" y="5739527"/>
+            <a:ext cx="3482340" cy="347186"/>
+          </a:xfrm>
+          <a:prstGeom prst="rect">
+            <a:avLst/>
+          </a:prstGeom>
+          <a:noFill/>
+          <a:ln/>
+        </p:spPr>
+        <p:txBody>
+          <a:bodyPr wrap="none" rtlCol="0" anchor="t"/>
+          <a:lstStyle/>
+          <a:p>
+            <a:pPr marL="0" indent="0" algn="l">
+              <a:lnSpc>
+                <a:spcPts val="2734"/>
+              </a:lnSpc>
+              <a:buNone/>
+            </a:pPr>
+            <a:r>
+              <a:rPr lang="en-US" sz="2187" dirty="0">
+                <a:solidFill>
+                  <a:srgbClr val="2C3249"/>
+                </a:solidFill>
+                <a:latin typeface="Kanit" pitchFamily="34" charset="0"/>
+                <a:ea typeface="Kanit" pitchFamily="34" charset="-122"/>
+                <a:cs typeface="Kanit" pitchFamily="34" charset="-120"/>
+              </a:rPr>
+              <a:t>Возможности для развития</a:t>
+            </a:r>
+            <a:endParaRPr lang="en-US" sz="2187" dirty="0"/>
+          </a:p>
+        </p:txBody>
+      </p:sp>
+      <p:sp>
+        <p:nvSpPr>
+          <p:cNvPr id="14" name="Text 8"/>
+          <p:cNvSpPr/>
+          <p:nvPr/>
+        </p:nvSpPr>
+        <p:spPr>
+          <a:xfrm>
+            <a:off x="2277428" y="6219944"/>
+            <a:ext cx="7862173" cy="710803"/>
+          </a:xfrm>
+          <a:prstGeom prst="rect">
+            <a:avLst/>
+          </a:prstGeom>
+          <a:noFill/>
+          <a:ln/>
+        </p:spPr>
+        <p:txBody>
+          <a:bodyPr wrap="square" rtlCol="0" anchor="t"/>
+          <a:lstStyle/>
+          <a:p>
+            <a:pPr marL="0" indent="0" algn="l">
+              <a:lnSpc>
+                <a:spcPts val="2799"/>
+              </a:lnSpc>
+              <a:buNone/>
+            </a:pPr>
+            <a:r>
+              <a:rPr lang="en-US" sz="1750" dirty="0">
+                <a:solidFill>
+                  <a:srgbClr val="2C3249"/>
+                </a:solidFill>
+                <a:latin typeface="Martel Sans" pitchFamily="34" charset="0"/>
+                <a:ea typeface="Martel Sans" pitchFamily="34" charset="-122"/>
+                <a:cs typeface="Martel Sans" pitchFamily="34" charset="-120"/>
+              </a:rPr>
+              <a:t>Интеграция онлайн-режима игры, добавление новых типов вражеских танков.</a:t>
             </a:r>
             <a:endParaRPr lang="en-US" sz="1750" dirty="0"/>
           </a:p>

--- a/Tank-Battles.pptx
+++ b/Tank-Battles.pptx
@@ -1232,7 +1232,7 @@
         </p:nvSpPr>
         <p:spPr>
           <a:xfrm>
-            <a:off x="6319599" y="2084784"/>
+            <a:off x="6236472" y="2456974"/>
             <a:ext cx="7477601" cy="1666399"/>
           </a:xfrm>
           <a:prstGeom prst="rect">
@@ -1246,13 +1246,10 @@
           <a:lstStyle/>
           <a:p>
             <a:pPr marL="0" indent="0">
-              <a:lnSpc>
-                <a:spcPts val="6561"/>
-              </a:lnSpc>
               <a:buNone/>
             </a:pPr>
             <a:r>
-              <a:rPr lang="en-US" sz="5249" dirty="0">
+              <a:rPr lang="en-US" sz="9600" dirty="0">
                 <a:solidFill>
                   <a:srgbClr val="272D45"/>
                 </a:solidFill>
@@ -1260,9 +1257,9 @@
                 <a:ea typeface="Kanit" pitchFamily="34" charset="-122"/>
                 <a:cs typeface="Kanit" pitchFamily="34" charset="-120"/>
               </a:rPr>
-              <a:t>Tank Battles: Игра на Pygame</a:t>
-            </a:r>
-            <a:endParaRPr lang="en-US" sz="5249" dirty="0"/>
+              <a:t>Tank Battles</a:t>
+            </a:r>
+            <a:endParaRPr lang="en-US" sz="9600" dirty="0"/>
           </a:p>
         </p:txBody>
       </p:sp>
@@ -2316,7 +2313,29 @@
                 <a:ea typeface="Martel Sans" pitchFamily="34" charset="-122"/>
                 <a:cs typeface="Martel Sans" pitchFamily="34" charset="-120"/>
               </a:rPr>
-              <a:t>Танк имеет ограниченный запас боеприпасов и </a:t>
+              <a:t>Танк имеет ограниченный </a:t>
+            </a:r>
+            <a:r>
+              <a:rPr lang="en-US" sz="1750" dirty="0" err="1">
+                <a:solidFill>
+                  <a:srgbClr val="2C3249"/>
+                </a:solidFill>
+                <a:latin typeface="Martel Sans" pitchFamily="34" charset="0"/>
+                <a:ea typeface="Martel Sans" pitchFamily="34" charset="-122"/>
+                <a:cs typeface="Martel Sans" pitchFamily="34" charset="-120"/>
+              </a:rPr>
+              <a:t>запас</a:t>
+            </a:r>
+            <a:r>
+              <a:rPr lang="en-US" sz="1750" dirty="0">
+                <a:solidFill>
+                  <a:srgbClr val="2C3249"/>
+                </a:solidFill>
+                <a:latin typeface="Martel Sans" pitchFamily="34" charset="0"/>
+                <a:ea typeface="Martel Sans" pitchFamily="34" charset="-122"/>
+                <a:cs typeface="Martel Sans" pitchFamily="34" charset="-120"/>
+              </a:rPr>
+              <a:t> </a:t>
             </a:r>
             <a:r>
               <a:rPr lang="en-US" sz="1750" dirty="0" err="1">
@@ -2491,7 +2510,62 @@
                 <a:ea typeface="Martel Sans" pitchFamily="34" charset="-122"/>
                 <a:cs typeface="Martel Sans" pitchFamily="34" charset="-120"/>
               </a:rPr>
-              <a:t>Различные типы вражеских танков с разными характеристиками.</a:t>
+              <a:t>Различные </a:t>
+            </a:r>
+            <a:r>
+              <a:rPr lang="en-US" sz="1750" dirty="0" err="1">
+                <a:solidFill>
+                  <a:srgbClr val="2C3249"/>
+                </a:solidFill>
+                <a:latin typeface="Martel Sans" pitchFamily="34" charset="0"/>
+                <a:ea typeface="Martel Sans" pitchFamily="34" charset="-122"/>
+                <a:cs typeface="Martel Sans" pitchFamily="34" charset="-120"/>
+              </a:rPr>
+              <a:t>типы</a:t>
+            </a:r>
+            <a:r>
+              <a:rPr lang="en-US" sz="1750" dirty="0">
+                <a:solidFill>
+                  <a:srgbClr val="2C3249"/>
+                </a:solidFill>
+                <a:latin typeface="Martel Sans" pitchFamily="34" charset="0"/>
+                <a:ea typeface="Martel Sans" pitchFamily="34" charset="-122"/>
+                <a:cs typeface="Martel Sans" pitchFamily="34" charset="-120"/>
+              </a:rPr>
+              <a:t> </a:t>
+            </a:r>
+            <a:r>
+              <a:rPr lang="en-US" sz="1750" dirty="0" err="1">
+                <a:solidFill>
+                  <a:srgbClr val="2C3249"/>
+                </a:solidFill>
+                <a:latin typeface="Martel Sans" pitchFamily="34" charset="0"/>
+                <a:ea typeface="Martel Sans" pitchFamily="34" charset="-122"/>
+                <a:cs typeface="Martel Sans" pitchFamily="34" charset="-120"/>
+              </a:rPr>
+              <a:t>вра</a:t>
+            </a:r>
+            <a:r>
+              <a:rPr lang="ru-RU" sz="1750" dirty="0" err="1">
+                <a:solidFill>
+                  <a:srgbClr val="2C3249"/>
+                </a:solidFill>
+                <a:latin typeface="Martel Sans" pitchFamily="34" charset="0"/>
+                <a:ea typeface="Martel Sans" pitchFamily="34" charset="-122"/>
+                <a:cs typeface="Martel Sans" pitchFamily="34" charset="-120"/>
+              </a:rPr>
+              <a:t>гов</a:t>
+            </a:r>
+            <a:r>
+              <a:rPr lang="ru-RU" sz="1750" dirty="0">
+                <a:solidFill>
+                  <a:srgbClr val="2C3249"/>
+                </a:solidFill>
+                <a:latin typeface="Martel Sans" pitchFamily="34" charset="0"/>
+                <a:ea typeface="Martel Sans" pitchFamily="34" charset="-122"/>
+                <a:cs typeface="Martel Sans" pitchFamily="34" charset="-120"/>
+              </a:rPr>
+              <a:t>.</a:t>
             </a:r>
             <a:endParaRPr lang="en-US" sz="1750" dirty="0"/>
           </a:p>
@@ -2644,150 +2718,8 @@
                 <a:ea typeface="Martel Sans" pitchFamily="34" charset="-122"/>
                 <a:cs typeface="Martel Sans" pitchFamily="34" charset="-120"/>
               </a:rPr>
-              <a:t>Разнообразные уровни с различными препятствиями, ландшафтом и сложностью. Новые уровни разблокируются по мере прохождения предыдущих.</a:t>
-            </a:r>
-            <a:endParaRPr lang="en-US" sz="1750" dirty="0"/>
-          </a:p>
-        </p:txBody>
-      </p:sp>
-      <p:sp>
-        <p:nvSpPr>
-          <p:cNvPr id="17" name="Shape 15"/>
-          <p:cNvSpPr/>
-          <p:nvPr/>
-        </p:nvSpPr>
-        <p:spPr>
-          <a:xfrm>
-            <a:off x="7426285" y="4791075"/>
-            <a:ext cx="499943" cy="499943"/>
-          </a:xfrm>
-          <a:prstGeom prst="roundRect">
-            <a:avLst>
-              <a:gd name="adj" fmla="val 20000"/>
-            </a:avLst>
-          </a:prstGeom>
-          <a:solidFill>
-            <a:srgbClr val="DFECE9"/>
-          </a:solidFill>
-          <a:ln w="13811">
-            <a:solidFill>
-              <a:srgbClr val="C5D2CF"/>
-            </a:solidFill>
-            <a:prstDash val="solid"/>
-          </a:ln>
-        </p:spPr>
-      </p:sp>
-      <p:sp>
-        <p:nvSpPr>
-          <p:cNvPr id="18" name="Text 16"/>
-          <p:cNvSpPr/>
-          <p:nvPr/>
-        </p:nvSpPr>
-        <p:spPr>
-          <a:xfrm>
-            <a:off x="7584758" y="4832747"/>
-            <a:ext cx="182880" cy="416481"/>
-          </a:xfrm>
-          <a:prstGeom prst="rect">
-            <a:avLst/>
-          </a:prstGeom>
-          <a:noFill/>
-          <a:ln/>
-        </p:spPr>
-        <p:txBody>
-          <a:bodyPr wrap="none" rtlCol="0" anchor="t"/>
-          <a:lstStyle/>
-          <a:p>
-            <a:pPr marL="0" indent="0" algn="ctr">
-              <a:lnSpc>
-                <a:spcPts val="3281"/>
-              </a:lnSpc>
-              <a:buNone/>
-            </a:pPr>
-            <a:r>
-              <a:rPr lang="en-US" sz="2624" dirty="0">
-                <a:solidFill>
-                  <a:srgbClr val="2C3249"/>
-                </a:solidFill>
-                <a:latin typeface="Kanit" pitchFamily="34" charset="0"/>
-                <a:ea typeface="Kanit" pitchFamily="34" charset="-122"/>
-                <a:cs typeface="Kanit" pitchFamily="34" charset="-120"/>
-              </a:rPr>
-              <a:t>4</a:t>
-            </a:r>
-            <a:endParaRPr lang="en-US" sz="2624" dirty="0"/>
-          </a:p>
-        </p:txBody>
-      </p:sp>
-      <p:sp>
-        <p:nvSpPr>
-          <p:cNvPr id="19" name="Text 17"/>
-          <p:cNvSpPr/>
-          <p:nvPr/>
-        </p:nvSpPr>
-        <p:spPr>
-          <a:xfrm>
-            <a:off x="8148399" y="4867394"/>
-            <a:ext cx="2221944" cy="347186"/>
-          </a:xfrm>
-          <a:prstGeom prst="rect">
-            <a:avLst/>
-          </a:prstGeom>
-          <a:noFill/>
-          <a:ln/>
-        </p:spPr>
-        <p:txBody>
-          <a:bodyPr wrap="none" rtlCol="0" anchor="t"/>
-          <a:lstStyle/>
-          <a:p>
-            <a:pPr marL="0" indent="0">
-              <a:lnSpc>
-                <a:spcPts val="2734"/>
-              </a:lnSpc>
-              <a:buNone/>
-            </a:pPr>
-            <a:r>
-              <a:rPr lang="ru-RU" sz="2187" dirty="0">
-                <a:solidFill>
-                  <a:srgbClr val="2C3249"/>
-                </a:solidFill>
-                <a:latin typeface="Kanit" pitchFamily="34" charset="0"/>
-                <a:ea typeface="Kanit" pitchFamily="34" charset="-122"/>
-                <a:cs typeface="Kanit" pitchFamily="34" charset="-120"/>
-              </a:rPr>
-              <a:t>Очки</a:t>
-            </a:r>
-            <a:endParaRPr lang="en-US" sz="2187" dirty="0"/>
-          </a:p>
-        </p:txBody>
-      </p:sp>
-      <p:sp>
-        <p:nvSpPr>
-          <p:cNvPr id="20" name="Text 18"/>
-          <p:cNvSpPr/>
-          <p:nvPr/>
-        </p:nvSpPr>
-        <p:spPr>
-          <a:xfrm>
-            <a:off x="8148399" y="5347811"/>
-            <a:ext cx="4444008" cy="1421606"/>
-          </a:xfrm>
-          <a:prstGeom prst="rect">
-            <a:avLst/>
-          </a:prstGeom>
-          <a:noFill/>
-          <a:ln/>
-        </p:spPr>
-        <p:txBody>
-          <a:bodyPr wrap="square" rtlCol="0" anchor="t"/>
-          <a:lstStyle/>
-          <a:p>
-            <a:pPr marL="0" indent="0">
-              <a:lnSpc>
-                <a:spcPts val="2799"/>
-              </a:lnSpc>
-              <a:buNone/>
-            </a:pPr>
+              <a:t>Разнообразные уровни с различными препятствиями, ландшафтом и </a:t>
+            </a:r>
             <a:r>
               <a:rPr lang="en-US" sz="1750" dirty="0" err="1">
                 <a:solidFill>
@@ -2797,7 +2729,7 @@
                 <a:ea typeface="Martel Sans" pitchFamily="34" charset="-122"/>
                 <a:cs typeface="Martel Sans" pitchFamily="34" charset="-120"/>
               </a:rPr>
-              <a:t>За</a:t>
+              <a:t>сложностью</a:t>
             </a:r>
             <a:r>
               <a:rPr lang="en-US" sz="1750" dirty="0">
@@ -2808,7 +2740,7 @@
                 <a:ea typeface="Martel Sans" pitchFamily="34" charset="-122"/>
                 <a:cs typeface="Martel Sans" pitchFamily="34" charset="-120"/>
               </a:rPr>
-              <a:t> уничтожение врагов и прохождение уровней начисляются очки.</a:t>
+              <a:t>.</a:t>
             </a:r>
             <a:endParaRPr lang="en-US" sz="1750" dirty="0"/>
           </a:p>
@@ -3266,7 +3198,7 @@
               <a:buNone/>
             </a:pPr>
             <a:r>
-              <a:rPr lang="en-US" sz="1750" dirty="0">
+              <a:rPr lang="ru-RU" sz="1750" dirty="0">
                 <a:solidFill>
                   <a:srgbClr val="2C3249"/>
                 </a:solidFill>
@@ -3274,7 +3206,18 @@
                 <a:ea typeface="Martel Sans" pitchFamily="34" charset="-122"/>
                 <a:cs typeface="Martel Sans" pitchFamily="34" charset="-120"/>
               </a:rPr>
-              <a:t>Новая игра, Продолжить, Настройки, Выход.</a:t>
+              <a:t>Играть</a:t>
+            </a:r>
+            <a:r>
+              <a:rPr lang="en-US" sz="1750" dirty="0">
+                <a:solidFill>
+                  <a:srgbClr val="2C3249"/>
+                </a:solidFill>
+                <a:latin typeface="Martel Sans" pitchFamily="34" charset="0"/>
+                <a:ea typeface="Martel Sans" pitchFamily="34" charset="-122"/>
+                <a:cs typeface="Martel Sans" pitchFamily="34" charset="-120"/>
+              </a:rPr>
+              <a:t>, Настройки, Выход.</a:t>
             </a:r>
             <a:endParaRPr lang="en-US" sz="1750" dirty="0"/>
           </a:p>
@@ -3350,7 +3293,7 @@
               <a:buNone/>
             </a:pPr>
             <a:r>
-              <a:rPr lang="en-US" sz="1750" dirty="0">
+              <a:rPr lang="en-US" sz="1750" dirty="0" err="1">
                 <a:solidFill>
                   <a:srgbClr val="2C3249"/>
                 </a:solidFill>
@@ -3358,10 +3301,10 @@
                 <a:ea typeface="Martel Sans" pitchFamily="34" charset="-122"/>
                 <a:cs typeface="Martel Sans" pitchFamily="34" charset="-120"/>
               </a:rPr>
-              <a:t>Отображение текущего счета, </a:t>
-            </a:r>
-            <a:r>
-              <a:rPr lang="en-US" sz="1750" dirty="0" err="1">
+              <a:t>Отображение</a:t>
+            </a:r>
+            <a:r>
+              <a:rPr lang="en-US" sz="1750" dirty="0">
                 <a:solidFill>
                   <a:srgbClr val="2C3249"/>
                 </a:solidFill>
@@ -3369,10 +3312,10 @@
                 <a:ea typeface="Martel Sans" pitchFamily="34" charset="-122"/>
                 <a:cs typeface="Martel Sans" pitchFamily="34" charset="-120"/>
               </a:rPr>
-              <a:t>количества</a:t>
-            </a:r>
-            <a:r>
-              <a:rPr lang="en-US" sz="1750" dirty="0">
+              <a:t> </a:t>
+            </a:r>
+            <a:r>
+              <a:rPr lang="en-US" sz="1750" dirty="0" err="1">
                 <a:solidFill>
                   <a:srgbClr val="2C3249"/>
                 </a:solidFill>
@@ -3380,10 +3323,10 @@
                 <a:ea typeface="Martel Sans" pitchFamily="34" charset="-122"/>
                 <a:cs typeface="Martel Sans" pitchFamily="34" charset="-120"/>
               </a:rPr>
-              <a:t> </a:t>
-            </a:r>
-            <a:r>
-              <a:rPr lang="en-US" sz="1750" dirty="0" err="1">
+              <a:t>количества</a:t>
+            </a:r>
+            <a:r>
+              <a:rPr lang="en-US" sz="1750" dirty="0">
                 <a:solidFill>
                   <a:srgbClr val="2C3249"/>
                 </a:solidFill>
@@ -3391,10 +3334,10 @@
                 <a:ea typeface="Martel Sans" pitchFamily="34" charset="-122"/>
                 <a:cs typeface="Martel Sans" pitchFamily="34" charset="-120"/>
               </a:rPr>
-              <a:t>жизней</a:t>
-            </a:r>
-            <a:r>
-              <a:rPr lang="ru-RU" sz="1750" dirty="0">
+              <a:t> </a:t>
+            </a:r>
+            <a:r>
+              <a:rPr lang="en-US" sz="1750" dirty="0" err="1">
                 <a:solidFill>
                   <a:srgbClr val="2C3249"/>
                 </a:solidFill>
@@ -3402,10 +3345,10 @@
                 <a:ea typeface="Martel Sans" pitchFamily="34" charset="-122"/>
                 <a:cs typeface="Martel Sans" pitchFamily="34" charset="-120"/>
               </a:rPr>
-              <a:t> и</a:t>
-            </a:r>
-            <a:r>
-              <a:rPr lang="en-US" sz="1750" dirty="0">
+              <a:t>жизней</a:t>
+            </a:r>
+            <a:r>
+              <a:rPr lang="ru-RU" sz="1750" dirty="0">
                 <a:solidFill>
                   <a:srgbClr val="2C3249"/>
                 </a:solidFill>
@@ -3413,51 +3356,7 @@
                 <a:ea typeface="Martel Sans" pitchFamily="34" charset="-122"/>
                 <a:cs typeface="Martel Sans" pitchFamily="34" charset="-120"/>
               </a:rPr>
-              <a:t> </a:t>
-            </a:r>
-            <a:r>
-              <a:rPr lang="en-US" sz="1750" dirty="0" err="1">
-                <a:solidFill>
-                  <a:srgbClr val="2C3249"/>
-                </a:solidFill>
-                <a:latin typeface="Martel Sans" pitchFamily="34" charset="0"/>
-                <a:ea typeface="Martel Sans" pitchFamily="34" charset="-122"/>
-                <a:cs typeface="Martel Sans" pitchFamily="34" charset="-120"/>
-              </a:rPr>
-              <a:t>боеприпасов</a:t>
-            </a:r>
-            <a:r>
-              <a:rPr lang="en-US" sz="1750" dirty="0">
-                <a:solidFill>
-                  <a:srgbClr val="2C3249"/>
-                </a:solidFill>
-                <a:latin typeface="Martel Sans" pitchFamily="34" charset="0"/>
-                <a:ea typeface="Martel Sans" pitchFamily="34" charset="-122"/>
-                <a:cs typeface="Martel Sans" pitchFamily="34" charset="-120"/>
-              </a:rPr>
-              <a:t>. </a:t>
-            </a:r>
-            <a:r>
-              <a:rPr lang="en-US" sz="1750" dirty="0" err="1">
-                <a:solidFill>
-                  <a:srgbClr val="2C3249"/>
-                </a:solidFill>
-                <a:latin typeface="Martel Sans" pitchFamily="34" charset="0"/>
-                <a:ea typeface="Martel Sans" pitchFamily="34" charset="-122"/>
-                <a:cs typeface="Martel Sans" pitchFamily="34" charset="-120"/>
-              </a:rPr>
-              <a:t>Возможность</a:t>
-            </a:r>
-            <a:r>
-              <a:rPr lang="en-US" sz="1750" dirty="0">
-                <a:solidFill>
-                  <a:srgbClr val="2C3249"/>
-                </a:solidFill>
-                <a:latin typeface="Martel Sans" pitchFamily="34" charset="0"/>
-                <a:ea typeface="Martel Sans" pitchFamily="34" charset="-122"/>
-                <a:cs typeface="Martel Sans" pitchFamily="34" charset="-120"/>
-              </a:rPr>
-              <a:t> паузы в игре.</a:t>
+              <a:t>.</a:t>
             </a:r>
             <a:endParaRPr lang="en-US" sz="1750" dirty="0"/>
           </a:p>
